--- a/presentation/Web入門_第二回.pptx
+++ b/presentation/Web入門_第二回.pptx
@@ -12,6 +12,11 @@
     <p:sldId id="271" r:id="rId6"/>
     <p:sldId id="273" r:id="rId7"/>
     <p:sldId id="272" r:id="rId8"/>
+    <p:sldId id="275" r:id="rId9"/>
+    <p:sldId id="276" r:id="rId10"/>
+    <p:sldId id="277" r:id="rId11"/>
+    <p:sldId id="274" r:id="rId12"/>
+    <p:sldId id="278" r:id="rId13"/>
   </p:sldIdLst>
   <p:sldSz cx="12192000" cy="6858000"/>
   <p:notesSz cx="6858000" cy="9144000"/>
@@ -110,6 +115,11 @@
       </a:defRPr>
     </a:lvl9pPr>
   </p:defaultTextStyle>
+  <p:extLst>
+    <p:ext uri="{EFAFB233-063F-42B5-8137-9DF3F51BA10A}">
+      <p15:sldGuideLst xmlns:p15="http://schemas.microsoft.com/office/powerpoint/2012/main"/>
+    </p:ext>
+  </p:extLst>
 </p:presentation>
 </file>
 
@@ -260,7 +270,7 @@
           <a:p>
             <a:fld id="{6B272681-D6D3-5849-9C72-C6A3C5754D7A}" type="datetimeFigureOut">
               <a:rPr kumimoji="1" lang="ja-JP" altLang="en-US" smtClean="0"/>
-              <a:t>2023/5/5</a:t>
+              <a:t>2023/5/9</a:t>
             </a:fld>
             <a:endParaRPr kumimoji="1" lang="ja-JP" altLang="en-US"/>
           </a:p>
@@ -490,7 +500,7 @@
           <a:p>
             <a:fld id="{6B272681-D6D3-5849-9C72-C6A3C5754D7A}" type="datetimeFigureOut">
               <a:rPr kumimoji="1" lang="ja-JP" altLang="en-US" smtClean="0"/>
-              <a:t>2023/5/5</a:t>
+              <a:t>2023/5/9</a:t>
             </a:fld>
             <a:endParaRPr kumimoji="1" lang="ja-JP" altLang="en-US"/>
           </a:p>
@@ -730,7 +740,7 @@
           <a:p>
             <a:fld id="{6B272681-D6D3-5849-9C72-C6A3C5754D7A}" type="datetimeFigureOut">
               <a:rPr kumimoji="1" lang="ja-JP" altLang="en-US" smtClean="0"/>
-              <a:t>2023/5/5</a:t>
+              <a:t>2023/5/9</a:t>
             </a:fld>
             <a:endParaRPr kumimoji="1" lang="ja-JP" altLang="en-US"/>
           </a:p>
@@ -960,7 +970,7 @@
           <a:p>
             <a:fld id="{6B272681-D6D3-5849-9C72-C6A3C5754D7A}" type="datetimeFigureOut">
               <a:rPr kumimoji="1" lang="ja-JP" altLang="en-US" smtClean="0"/>
-              <a:t>2023/5/5</a:t>
+              <a:t>2023/5/9</a:t>
             </a:fld>
             <a:endParaRPr kumimoji="1" lang="ja-JP" altLang="en-US"/>
           </a:p>
@@ -1235,7 +1245,7 @@
           <a:p>
             <a:fld id="{6B272681-D6D3-5849-9C72-C6A3C5754D7A}" type="datetimeFigureOut">
               <a:rPr kumimoji="1" lang="ja-JP" altLang="en-US" smtClean="0"/>
-              <a:t>2023/5/5</a:t>
+              <a:t>2023/5/9</a:t>
             </a:fld>
             <a:endParaRPr kumimoji="1" lang="ja-JP" altLang="en-US"/>
           </a:p>
@@ -1564,7 +1574,7 @@
           <a:p>
             <a:fld id="{6B272681-D6D3-5849-9C72-C6A3C5754D7A}" type="datetimeFigureOut">
               <a:rPr kumimoji="1" lang="ja-JP" altLang="en-US" smtClean="0"/>
-              <a:t>2023/5/5</a:t>
+              <a:t>2023/5/9</a:t>
             </a:fld>
             <a:endParaRPr kumimoji="1" lang="ja-JP" altLang="en-US"/>
           </a:p>
@@ -2040,7 +2050,7 @@
           <a:p>
             <a:fld id="{6B272681-D6D3-5849-9C72-C6A3C5754D7A}" type="datetimeFigureOut">
               <a:rPr kumimoji="1" lang="ja-JP" altLang="en-US" smtClean="0"/>
-              <a:t>2023/5/5</a:t>
+              <a:t>2023/5/9</a:t>
             </a:fld>
             <a:endParaRPr kumimoji="1" lang="ja-JP" altLang="en-US"/>
           </a:p>
@@ -2181,7 +2191,7 @@
           <a:p>
             <a:fld id="{6B272681-D6D3-5849-9C72-C6A3C5754D7A}" type="datetimeFigureOut">
               <a:rPr kumimoji="1" lang="ja-JP" altLang="en-US" smtClean="0"/>
-              <a:t>2023/5/5</a:t>
+              <a:t>2023/5/9</a:t>
             </a:fld>
             <a:endParaRPr kumimoji="1" lang="ja-JP" altLang="en-US"/>
           </a:p>
@@ -2294,7 +2304,7 @@
           <a:p>
             <a:fld id="{6B272681-D6D3-5849-9C72-C6A3C5754D7A}" type="datetimeFigureOut">
               <a:rPr kumimoji="1" lang="ja-JP" altLang="en-US" smtClean="0"/>
-              <a:t>2023/5/5</a:t>
+              <a:t>2023/5/9</a:t>
             </a:fld>
             <a:endParaRPr kumimoji="1" lang="ja-JP" altLang="en-US"/>
           </a:p>
@@ -2637,7 +2647,7 @@
           <a:p>
             <a:fld id="{6B272681-D6D3-5849-9C72-C6A3C5754D7A}" type="datetimeFigureOut">
               <a:rPr kumimoji="1" lang="ja-JP" altLang="en-US" smtClean="0"/>
-              <a:t>2023/5/5</a:t>
+              <a:t>2023/5/9</a:t>
             </a:fld>
             <a:endParaRPr kumimoji="1" lang="ja-JP" altLang="en-US"/>
           </a:p>
@@ -2925,7 +2935,7 @@
           <a:p>
             <a:fld id="{6B272681-D6D3-5849-9C72-C6A3C5754D7A}" type="datetimeFigureOut">
               <a:rPr kumimoji="1" lang="ja-JP" altLang="en-US" smtClean="0"/>
-              <a:t>2023/5/5</a:t>
+              <a:t>2023/5/9</a:t>
             </a:fld>
             <a:endParaRPr kumimoji="1" lang="ja-JP" altLang="en-US"/>
           </a:p>
@@ -3198,7 +3208,7 @@
           <a:p>
             <a:fld id="{6B272681-D6D3-5849-9C72-C6A3C5754D7A}" type="datetimeFigureOut">
               <a:rPr kumimoji="1" lang="ja-JP" altLang="en-US" smtClean="0"/>
-              <a:t>2023/5/5</a:t>
+              <a:t>2023/5/9</a:t>
             </a:fld>
             <a:endParaRPr kumimoji="1" lang="ja-JP" altLang="en-US"/>
           </a:p>
@@ -3810,6 +3820,1212 @@
 </p:sld>
 </file>
 
+<file path=ppt/slides/slide10.xml><?xml version="1.0" encoding="utf-8"?>
+<p:sld xmlns:a="http://schemas.openxmlformats.org/drawingml/2006/main" xmlns:r="http://schemas.openxmlformats.org/officeDocument/2006/relationships" xmlns:p="http://schemas.openxmlformats.org/presentationml/2006/main">
+  <p:cSld>
+    <p:spTree>
+      <p:nvGrpSpPr>
+        <p:cNvPr id="1" name=""/>
+        <p:cNvGrpSpPr/>
+        <p:nvPr/>
+      </p:nvGrpSpPr>
+      <p:grpSpPr>
+        <a:xfrm>
+          <a:off x="0" y="0"/>
+          <a:ext cx="0" cy="0"/>
+          <a:chOff x="0" y="0"/>
+          <a:chExt cx="0" cy="0"/>
+        </a:xfrm>
+      </p:grpSpPr>
+      <p:sp>
+        <p:nvSpPr>
+          <p:cNvPr id="25" name="テキスト ボックス 24">
+            <a:extLst>
+              <a:ext uri="{FF2B5EF4-FFF2-40B4-BE49-F238E27FC236}">
+                <a16:creationId xmlns:a16="http://schemas.microsoft.com/office/drawing/2014/main" id="{98FFFBE8-A137-921B-2495-34421D85F292}"/>
+              </a:ext>
+            </a:extLst>
+          </p:cNvPr>
+          <p:cNvSpPr txBox="1"/>
+          <p:nvPr/>
+        </p:nvSpPr>
+        <p:spPr>
+          <a:xfrm>
+            <a:off x="611162" y="333632"/>
+            <a:ext cx="7265774" cy="646331"/>
+          </a:xfrm>
+          <a:prstGeom prst="rect">
+            <a:avLst/>
+          </a:prstGeom>
+          <a:noFill/>
+        </p:spPr>
+        <p:txBody>
+          <a:bodyPr wrap="square" rtlCol="0">
+            <a:spAutoFit/>
+          </a:bodyPr>
+          <a:lstStyle/>
+          <a:p>
+            <a:r>
+              <a:rPr kumimoji="1" lang="en-US" altLang="ja-JP" sz="3600" dirty="0">
+                <a:solidFill>
+                  <a:schemeClr val="tx1">
+                    <a:lumMod val="75000"/>
+                    <a:lumOff val="25000"/>
+                  </a:schemeClr>
+                </a:solidFill>
+                <a:latin typeface="Hiragino Sans W4" panose="020B0400000000000000" pitchFamily="34" charset="-128"/>
+                <a:ea typeface="Hiragino Sans W4" panose="020B0400000000000000" pitchFamily="34" charset="-128"/>
+              </a:rPr>
+              <a:t>CSS </a:t>
+            </a:r>
+            <a:r>
+              <a:rPr kumimoji="1" lang="ja-JP" altLang="en-US" sz="3600">
+                <a:solidFill>
+                  <a:schemeClr val="tx1">
+                    <a:lumMod val="75000"/>
+                    <a:lumOff val="25000"/>
+                  </a:schemeClr>
+                </a:solidFill>
+                <a:latin typeface="Hiragino Sans W4" panose="020B0400000000000000" pitchFamily="34" charset="-128"/>
+                <a:ea typeface="Hiragino Sans W4" panose="020B0400000000000000" pitchFamily="34" charset="-128"/>
+              </a:rPr>
+              <a:t>どのように書く</a:t>
+            </a:r>
+          </a:p>
+        </p:txBody>
+      </p:sp>
+      <p:sp>
+        <p:nvSpPr>
+          <p:cNvPr id="3" name="テキスト ボックス 2">
+            <a:extLst>
+              <a:ext uri="{FF2B5EF4-FFF2-40B4-BE49-F238E27FC236}">
+                <a16:creationId xmlns:a16="http://schemas.microsoft.com/office/drawing/2014/main" id="{A3B114F1-F504-8BE8-A5EE-DC34A07EF8D4}"/>
+              </a:ext>
+            </a:extLst>
+          </p:cNvPr>
+          <p:cNvSpPr txBox="1"/>
+          <p:nvPr/>
+        </p:nvSpPr>
+        <p:spPr>
+          <a:xfrm>
+            <a:off x="611162" y="1754660"/>
+            <a:ext cx="6054812" cy="2246769"/>
+          </a:xfrm>
+          <a:prstGeom prst="rect">
+            <a:avLst/>
+          </a:prstGeom>
+          <a:noFill/>
+        </p:spPr>
+        <p:txBody>
+          <a:bodyPr wrap="square" rtlCol="0">
+            <a:spAutoFit/>
+          </a:bodyPr>
+          <a:lstStyle/>
+          <a:p>
+            <a:r>
+              <a:rPr lang="ja-JP" altLang="en-US" sz="2800" b="0">
+                <a:effectLst/>
+                <a:latin typeface="Menlo" panose="020B0609030804020204" pitchFamily="49" charset="0"/>
+              </a:rPr>
+              <a:t>↓セレクタ</a:t>
+            </a:r>
+          </a:p>
+          <a:p>
+            <a:r>
+              <a:rPr lang="en" altLang="ja-JP" sz="2800" b="0" dirty="0">
+                <a:solidFill>
+                  <a:srgbClr val="EF596F"/>
+                </a:solidFill>
+                <a:effectLst/>
+                <a:latin typeface="Menlo" panose="020B0609030804020204" pitchFamily="49" charset="0"/>
+              </a:rPr>
+              <a:t>h1</a:t>
+            </a:r>
+            <a:r>
+              <a:rPr lang="en" altLang="ja-JP" sz="2800" b="0" dirty="0">
+                <a:solidFill>
+                  <a:srgbClr val="ABB2BF"/>
+                </a:solidFill>
+                <a:effectLst/>
+                <a:latin typeface="Menlo" panose="020B0609030804020204" pitchFamily="49" charset="0"/>
+              </a:rPr>
+              <a:t> {</a:t>
+            </a:r>
+          </a:p>
+          <a:p>
+            <a:r>
+              <a:rPr lang="ja-JP" altLang="en-US" sz="2800" b="0">
+                <a:solidFill>
+                  <a:srgbClr val="ABB2BF"/>
+                </a:solidFill>
+                <a:effectLst/>
+                <a:latin typeface="Menlo" panose="020B0609030804020204" pitchFamily="49" charset="0"/>
+              </a:rPr>
+              <a:t>　</a:t>
+            </a:r>
+            <a:r>
+              <a:rPr lang="en" altLang="ja-JP" sz="2800" b="0" dirty="0">
+                <a:solidFill>
+                  <a:srgbClr val="ABB2BF"/>
+                </a:solidFill>
+                <a:effectLst/>
+                <a:latin typeface="Menlo" panose="020B0609030804020204" pitchFamily="49" charset="0"/>
+              </a:rPr>
+              <a:t>color: </a:t>
+            </a:r>
+            <a:r>
+              <a:rPr lang="en" altLang="ja-JP" sz="2800" b="0" dirty="0">
+                <a:solidFill>
+                  <a:srgbClr val="D19A66"/>
+                </a:solidFill>
+                <a:effectLst/>
+                <a:latin typeface="Menlo" panose="020B0609030804020204" pitchFamily="49" charset="0"/>
+              </a:rPr>
+              <a:t>blue</a:t>
+            </a:r>
+            <a:r>
+              <a:rPr lang="en" altLang="ja-JP" sz="2800" b="0" dirty="0">
+                <a:solidFill>
+                  <a:srgbClr val="ABB2BF"/>
+                </a:solidFill>
+                <a:effectLst/>
+                <a:latin typeface="Menlo" panose="020B0609030804020204" pitchFamily="49" charset="0"/>
+              </a:rPr>
+              <a:t>;</a:t>
+            </a:r>
+          </a:p>
+          <a:p>
+            <a:r>
+              <a:rPr lang="ja-JP" altLang="en-US" sz="2800" b="0">
+                <a:effectLst/>
+                <a:latin typeface="Menlo" panose="020B0609030804020204" pitchFamily="49" charset="0"/>
+              </a:rPr>
+              <a:t>　</a:t>
+            </a:r>
+            <a:r>
+              <a:rPr lang="en" altLang="ja-JP" sz="2800" b="0" dirty="0">
+                <a:effectLst/>
+                <a:latin typeface="Menlo" panose="020B0609030804020204" pitchFamily="49" charset="0"/>
+              </a:rPr>
+              <a:t>↑</a:t>
+            </a:r>
+            <a:r>
+              <a:rPr lang="ja-JP" altLang="en-US">
+                <a:latin typeface="Menlo" panose="020B0609030804020204" pitchFamily="49" charset="0"/>
+              </a:rPr>
+              <a:t>プロパティ　</a:t>
+            </a:r>
+            <a:r>
+              <a:rPr lang="en-US" altLang="ja-JP" sz="2800" b="0" dirty="0">
+                <a:effectLst/>
+                <a:latin typeface="Menlo" panose="020B0609030804020204" pitchFamily="49" charset="0"/>
+              </a:rPr>
+              <a:t>↑</a:t>
+            </a:r>
+            <a:r>
+              <a:rPr lang="ja-JP" altLang="en-US" sz="2400" b="0">
+                <a:effectLst/>
+                <a:latin typeface="Menlo" panose="020B0609030804020204" pitchFamily="49" charset="0"/>
+              </a:rPr>
+              <a:t>値</a:t>
+            </a:r>
+            <a:endParaRPr lang="en-US" altLang="ja-JP" sz="2800" dirty="0">
+              <a:latin typeface="Menlo" panose="020B0609030804020204" pitchFamily="49" charset="0"/>
+            </a:endParaRPr>
+          </a:p>
+          <a:p>
+            <a:r>
+              <a:rPr lang="en" altLang="ja-JP" sz="2800" b="0" dirty="0">
+                <a:solidFill>
+                  <a:srgbClr val="ABB2BF"/>
+                </a:solidFill>
+                <a:effectLst/>
+                <a:latin typeface="Menlo" panose="020B0609030804020204" pitchFamily="49" charset="0"/>
+              </a:rPr>
+              <a:t>}</a:t>
+            </a:r>
+          </a:p>
+        </p:txBody>
+      </p:sp>
+      <p:sp>
+        <p:nvSpPr>
+          <p:cNvPr id="4" name="テキスト ボックス 3">
+            <a:extLst>
+              <a:ext uri="{FF2B5EF4-FFF2-40B4-BE49-F238E27FC236}">
+                <a16:creationId xmlns:a16="http://schemas.microsoft.com/office/drawing/2014/main" id="{9F3F6815-1FFD-56E8-D2AA-16AABE03D73D}"/>
+              </a:ext>
+            </a:extLst>
+          </p:cNvPr>
+          <p:cNvSpPr txBox="1"/>
+          <p:nvPr/>
+        </p:nvSpPr>
+        <p:spPr>
+          <a:xfrm>
+            <a:off x="6534527" y="1925462"/>
+            <a:ext cx="3262432" cy="1384995"/>
+          </a:xfrm>
+          <a:prstGeom prst="rect">
+            <a:avLst/>
+          </a:prstGeom>
+          <a:noFill/>
+        </p:spPr>
+        <p:txBody>
+          <a:bodyPr wrap="none" rtlCol="0">
+            <a:spAutoFit/>
+          </a:bodyPr>
+          <a:lstStyle/>
+          <a:p>
+            <a:r>
+              <a:rPr kumimoji="1" lang="ja-JP" altLang="en-US" sz="2800"/>
+              <a:t>何の</a:t>
+            </a:r>
+            <a:r>
+              <a:rPr kumimoji="1" lang="en-US" altLang="ja-JP" sz="2800" dirty="0"/>
+              <a:t> </a:t>
+            </a:r>
+            <a:r>
+              <a:rPr lang="en-US" altLang="ja-JP" sz="2800" dirty="0"/>
+              <a:t>→</a:t>
+            </a:r>
+            <a:r>
+              <a:rPr lang="ja-JP" altLang="en-US" sz="2800"/>
+              <a:t> </a:t>
+            </a:r>
+            <a:r>
+              <a:rPr kumimoji="1" lang="ja-JP" altLang="en-US" sz="2800"/>
+              <a:t>セレクタ</a:t>
+            </a:r>
+            <a:endParaRPr kumimoji="1" lang="en-US" altLang="ja-JP" sz="2800" dirty="0"/>
+          </a:p>
+          <a:p>
+            <a:r>
+              <a:rPr lang="ja-JP" altLang="en-US" sz="2800"/>
+              <a:t>何を</a:t>
+            </a:r>
+            <a:r>
+              <a:rPr lang="en-US" altLang="ja-JP" sz="2800" dirty="0"/>
+              <a:t> →</a:t>
+            </a:r>
+            <a:r>
+              <a:rPr lang="ja-JP" altLang="en-US" sz="2800"/>
+              <a:t> プロパティ</a:t>
+            </a:r>
+            <a:endParaRPr lang="en-US" altLang="ja-JP" sz="2800" dirty="0"/>
+          </a:p>
+          <a:p>
+            <a:r>
+              <a:rPr kumimoji="1" lang="ja-JP" altLang="en-US" sz="2800"/>
+              <a:t>どうする</a:t>
+            </a:r>
+            <a:r>
+              <a:rPr kumimoji="1" lang="en-US" altLang="ja-JP" sz="2800" dirty="0"/>
+              <a:t> → </a:t>
+            </a:r>
+            <a:r>
+              <a:rPr kumimoji="1" lang="ja-JP" altLang="en-US" sz="2800"/>
+              <a:t>値</a:t>
+            </a:r>
+          </a:p>
+        </p:txBody>
+      </p:sp>
+      <p:sp>
+        <p:nvSpPr>
+          <p:cNvPr id="8" name="テキスト ボックス 7">
+            <a:extLst>
+              <a:ext uri="{FF2B5EF4-FFF2-40B4-BE49-F238E27FC236}">
+                <a16:creationId xmlns:a16="http://schemas.microsoft.com/office/drawing/2014/main" id="{1199796E-9D9E-6F6F-3EB6-D84BC67788E7}"/>
+              </a:ext>
+            </a:extLst>
+          </p:cNvPr>
+          <p:cNvSpPr txBox="1"/>
+          <p:nvPr/>
+        </p:nvSpPr>
+        <p:spPr>
+          <a:xfrm>
+            <a:off x="6665974" y="4255957"/>
+            <a:ext cx="2999539" cy="1384995"/>
+          </a:xfrm>
+          <a:prstGeom prst="rect">
+            <a:avLst/>
+          </a:prstGeom>
+          <a:noFill/>
+        </p:spPr>
+        <p:txBody>
+          <a:bodyPr wrap="none" rtlCol="0">
+            <a:spAutoFit/>
+          </a:bodyPr>
+          <a:lstStyle/>
+          <a:p>
+            <a:r>
+              <a:rPr kumimoji="1" lang="ja-JP" altLang="en-US" sz="2800"/>
+              <a:t>セレクタ</a:t>
+            </a:r>
+            <a:r>
+              <a:rPr kumimoji="1" lang="en-US" altLang="ja-JP" sz="2800" dirty="0"/>
+              <a:t>: h1</a:t>
+            </a:r>
+          </a:p>
+          <a:p>
+            <a:r>
+              <a:rPr lang="ja-JP" altLang="en-US" sz="2800"/>
+              <a:t>プロパティ</a:t>
+            </a:r>
+            <a:r>
+              <a:rPr lang="en-US" altLang="ja-JP" sz="2800" dirty="0"/>
+              <a:t>: color</a:t>
+            </a:r>
+          </a:p>
+          <a:p>
+            <a:r>
+              <a:rPr kumimoji="1" lang="ja-JP" altLang="en-US" sz="2800"/>
+              <a:t>値</a:t>
+            </a:r>
+            <a:r>
+              <a:rPr kumimoji="1" lang="en-US" altLang="ja-JP" sz="2800" dirty="0"/>
+              <a:t>: blue</a:t>
+            </a:r>
+            <a:endParaRPr kumimoji="1" lang="ja-JP" altLang="en-US" sz="2800"/>
+          </a:p>
+        </p:txBody>
+      </p:sp>
+    </p:spTree>
+    <p:extLst>
+      <p:ext uri="{BB962C8B-B14F-4D97-AF65-F5344CB8AC3E}">
+        <p14:creationId xmlns:p14="http://schemas.microsoft.com/office/powerpoint/2010/main" val="33070302"/>
+      </p:ext>
+    </p:extLst>
+  </p:cSld>
+  <p:clrMapOvr>
+    <a:masterClrMapping/>
+  </p:clrMapOvr>
+</p:sld>
+</file>
+
+<file path=ppt/slides/slide11.xml><?xml version="1.0" encoding="utf-8"?>
+<p:sld xmlns:a="http://schemas.openxmlformats.org/drawingml/2006/main" xmlns:r="http://schemas.openxmlformats.org/officeDocument/2006/relationships" xmlns:p="http://schemas.openxmlformats.org/presentationml/2006/main">
+  <p:cSld>
+    <p:spTree>
+      <p:nvGrpSpPr>
+        <p:cNvPr id="1" name=""/>
+        <p:cNvGrpSpPr/>
+        <p:nvPr/>
+      </p:nvGrpSpPr>
+      <p:grpSpPr>
+        <a:xfrm>
+          <a:off x="0" y="0"/>
+          <a:ext cx="0" cy="0"/>
+          <a:chOff x="0" y="0"/>
+          <a:chExt cx="0" cy="0"/>
+        </a:xfrm>
+      </p:grpSpPr>
+      <p:sp>
+        <p:nvSpPr>
+          <p:cNvPr id="25" name="テキスト ボックス 24">
+            <a:extLst>
+              <a:ext uri="{FF2B5EF4-FFF2-40B4-BE49-F238E27FC236}">
+                <a16:creationId xmlns:a16="http://schemas.microsoft.com/office/drawing/2014/main" id="{98FFFBE8-A137-921B-2495-34421D85F292}"/>
+              </a:ext>
+            </a:extLst>
+          </p:cNvPr>
+          <p:cNvSpPr txBox="1"/>
+          <p:nvPr/>
+        </p:nvSpPr>
+        <p:spPr>
+          <a:xfrm>
+            <a:off x="611161" y="333632"/>
+            <a:ext cx="8841757" cy="646331"/>
+          </a:xfrm>
+          <a:prstGeom prst="rect">
+            <a:avLst/>
+          </a:prstGeom>
+          <a:noFill/>
+        </p:spPr>
+        <p:txBody>
+          <a:bodyPr wrap="square" rtlCol="0">
+            <a:spAutoFit/>
+          </a:bodyPr>
+          <a:lstStyle/>
+          <a:p>
+            <a:r>
+              <a:rPr kumimoji="1" lang="en-US" altLang="ja-JP" sz="3600" dirty="0">
+                <a:solidFill>
+                  <a:schemeClr val="tx1">
+                    <a:lumMod val="75000"/>
+                    <a:lumOff val="25000"/>
+                  </a:schemeClr>
+                </a:solidFill>
+                <a:latin typeface="Hiragino Sans W4" panose="020B0400000000000000" pitchFamily="34" charset="-128"/>
+                <a:ea typeface="Hiragino Sans W4" panose="020B0400000000000000" pitchFamily="34" charset="-128"/>
+              </a:rPr>
+              <a:t>HTML</a:t>
+            </a:r>
+            <a:r>
+              <a:rPr kumimoji="1" lang="ja-JP" altLang="en-US" sz="3600">
+                <a:solidFill>
+                  <a:schemeClr val="tx1">
+                    <a:lumMod val="75000"/>
+                    <a:lumOff val="25000"/>
+                  </a:schemeClr>
+                </a:solidFill>
+                <a:latin typeface="Hiragino Sans W4" panose="020B0400000000000000" pitchFamily="34" charset="-128"/>
+                <a:ea typeface="Hiragino Sans W4" panose="020B0400000000000000" pitchFamily="34" charset="-128"/>
+              </a:rPr>
+              <a:t>（属性）</a:t>
+            </a:r>
+          </a:p>
+        </p:txBody>
+      </p:sp>
+      <p:sp>
+        <p:nvSpPr>
+          <p:cNvPr id="7" name="AutoShape 6">
+            <a:extLst>
+              <a:ext uri="{FF2B5EF4-FFF2-40B4-BE49-F238E27FC236}">
+                <a16:creationId xmlns:a16="http://schemas.microsoft.com/office/drawing/2014/main" id="{911CDD07-39B7-FE8D-878B-1503A3FC80E0}"/>
+              </a:ext>
+            </a:extLst>
+          </p:cNvPr>
+          <p:cNvSpPr>
+            <a:spLocks noChangeAspect="1" noChangeArrowheads="1"/>
+          </p:cNvSpPr>
+          <p:nvPr/>
+        </p:nvSpPr>
+        <p:spPr bwMode="auto">
+          <a:xfrm>
+            <a:off x="5943600" y="3276600"/>
+            <a:ext cx="304800" cy="304800"/>
+          </a:xfrm>
+          <a:prstGeom prst="rect">
+            <a:avLst/>
+          </a:prstGeom>
+          <a:noFill/>
+          <a:extLst>
+            <a:ext uri="{909E8E84-426E-40DD-AFC4-6F175D3DCCD1}">
+              <a14:hiddenFill xmlns:a14="http://schemas.microsoft.com/office/drawing/2010/main">
+                <a:solidFill>
+                  <a:srgbClr val="FFFFFF"/>
+                </a:solidFill>
+              </a14:hiddenFill>
+            </a:ext>
+          </a:extLst>
+        </p:spPr>
+        <p:txBody>
+          <a:bodyPr vert="horz" wrap="square" lIns="91440" tIns="45720" rIns="91440" bIns="45720" numCol="1" anchor="t" anchorCtr="0" compatLnSpc="1">
+            <a:prstTxWarp prst="textNoShape">
+              <a:avLst/>
+            </a:prstTxWarp>
+          </a:bodyPr>
+          <a:lstStyle/>
+          <a:p>
+            <a:endParaRPr lang="ja-JP" altLang="en-US"/>
+          </a:p>
+        </p:txBody>
+      </p:sp>
+      <p:pic>
+        <p:nvPicPr>
+          <p:cNvPr id="4" name="図 3">
+            <a:extLst>
+              <a:ext uri="{FF2B5EF4-FFF2-40B4-BE49-F238E27FC236}">
+                <a16:creationId xmlns:a16="http://schemas.microsoft.com/office/drawing/2014/main" id="{E74A4992-DFA8-693C-A99F-6888158DE6F7}"/>
+              </a:ext>
+            </a:extLst>
+          </p:cNvPr>
+          <p:cNvPicPr>
+            <a:picLocks noChangeAspect="1"/>
+          </p:cNvPicPr>
+          <p:nvPr/>
+        </p:nvPicPr>
+        <p:blipFill>
+          <a:blip r:embed="rId2"/>
+          <a:stretch>
+            <a:fillRect/>
+          </a:stretch>
+        </p:blipFill>
+        <p:spPr>
+          <a:xfrm>
+            <a:off x="1438994" y="2543062"/>
+            <a:ext cx="9314012" cy="1125443"/>
+          </a:xfrm>
+          <a:prstGeom prst="rect">
+            <a:avLst/>
+          </a:prstGeom>
+        </p:spPr>
+      </p:pic>
+      <p:sp>
+        <p:nvSpPr>
+          <p:cNvPr id="5" name="テキスト ボックス 4">
+            <a:extLst>
+              <a:ext uri="{FF2B5EF4-FFF2-40B4-BE49-F238E27FC236}">
+                <a16:creationId xmlns:a16="http://schemas.microsoft.com/office/drawing/2014/main" id="{9E7B0F49-4118-098D-3D64-DDFE7D1FFB78}"/>
+              </a:ext>
+            </a:extLst>
+          </p:cNvPr>
+          <p:cNvSpPr txBox="1"/>
+          <p:nvPr/>
+        </p:nvSpPr>
+        <p:spPr>
+          <a:xfrm>
+            <a:off x="1438994" y="4367403"/>
+            <a:ext cx="7359707" cy="1323439"/>
+          </a:xfrm>
+          <a:prstGeom prst="rect">
+            <a:avLst/>
+          </a:prstGeom>
+          <a:noFill/>
+        </p:spPr>
+        <p:txBody>
+          <a:bodyPr wrap="none" rtlCol="0">
+            <a:spAutoFit/>
+          </a:bodyPr>
+          <a:lstStyle/>
+          <a:p>
+            <a:r>
+              <a:rPr lang="ja-JP" altLang="en-US" sz="2000"/>
+              <a:t>要素に名前をつけてそれぞれの要素を識別できるようになる</a:t>
+            </a:r>
+            <a:endParaRPr lang="en-US" altLang="ja-JP" sz="2000" dirty="0"/>
+          </a:p>
+          <a:p>
+            <a:endParaRPr lang="en-US" altLang="ja-JP" sz="2000" dirty="0"/>
+          </a:p>
+          <a:p>
+            <a:r>
+              <a:rPr lang="en-US" altLang="ja-JP" sz="2000" dirty="0"/>
+              <a:t>class … </a:t>
+            </a:r>
+            <a:r>
+              <a:rPr lang="ja-JP" altLang="en-US" sz="2000"/>
+              <a:t>同じ名前を複数の要素につけることができる</a:t>
+            </a:r>
+            <a:endParaRPr lang="en-US" altLang="ja-JP" sz="2000" dirty="0"/>
+          </a:p>
+          <a:p>
+            <a:r>
+              <a:rPr lang="en-US" altLang="ja-JP" sz="2000" dirty="0"/>
+              <a:t>id … 1</a:t>
+            </a:r>
+            <a:r>
+              <a:rPr lang="ja-JP" altLang="en-US" sz="2000"/>
+              <a:t>ページに同じ名前を複数の要素につけることはできない</a:t>
+            </a:r>
+            <a:endParaRPr lang="en-US" altLang="ja-JP" sz="2000" dirty="0"/>
+          </a:p>
+        </p:txBody>
+      </p:sp>
+    </p:spTree>
+    <p:extLst>
+      <p:ext uri="{BB962C8B-B14F-4D97-AF65-F5344CB8AC3E}">
+        <p14:creationId xmlns:p14="http://schemas.microsoft.com/office/powerpoint/2010/main" val="3441530428"/>
+      </p:ext>
+    </p:extLst>
+  </p:cSld>
+  <p:clrMapOvr>
+    <a:masterClrMapping/>
+  </p:clrMapOvr>
+</p:sld>
+</file>
+
+<file path=ppt/slides/slide12.xml><?xml version="1.0" encoding="utf-8"?>
+<p:sld xmlns:a="http://schemas.openxmlformats.org/drawingml/2006/main" xmlns:r="http://schemas.openxmlformats.org/officeDocument/2006/relationships" xmlns:p="http://schemas.openxmlformats.org/presentationml/2006/main">
+  <p:cSld>
+    <p:spTree>
+      <p:nvGrpSpPr>
+        <p:cNvPr id="1" name=""/>
+        <p:cNvGrpSpPr/>
+        <p:nvPr/>
+      </p:nvGrpSpPr>
+      <p:grpSpPr>
+        <a:xfrm>
+          <a:off x="0" y="0"/>
+          <a:ext cx="0" cy="0"/>
+          <a:chOff x="0" y="0"/>
+          <a:chExt cx="0" cy="0"/>
+        </a:xfrm>
+      </p:grpSpPr>
+      <p:sp>
+        <p:nvSpPr>
+          <p:cNvPr id="25" name="テキスト ボックス 24">
+            <a:extLst>
+              <a:ext uri="{FF2B5EF4-FFF2-40B4-BE49-F238E27FC236}">
+                <a16:creationId xmlns:a16="http://schemas.microsoft.com/office/drawing/2014/main" id="{98FFFBE8-A137-921B-2495-34421D85F292}"/>
+              </a:ext>
+            </a:extLst>
+          </p:cNvPr>
+          <p:cNvSpPr txBox="1"/>
+          <p:nvPr/>
+        </p:nvSpPr>
+        <p:spPr>
+          <a:xfrm>
+            <a:off x="611161" y="333632"/>
+            <a:ext cx="8841757" cy="646331"/>
+          </a:xfrm>
+          <a:prstGeom prst="rect">
+            <a:avLst/>
+          </a:prstGeom>
+          <a:noFill/>
+        </p:spPr>
+        <p:txBody>
+          <a:bodyPr wrap="square" rtlCol="0">
+            <a:spAutoFit/>
+          </a:bodyPr>
+          <a:lstStyle/>
+          <a:p>
+            <a:r>
+              <a:rPr kumimoji="1" lang="ja-JP" altLang="en-US" sz="3600">
+                <a:solidFill>
+                  <a:schemeClr val="tx1">
+                    <a:lumMod val="75000"/>
+                    <a:lumOff val="25000"/>
+                  </a:schemeClr>
+                </a:solidFill>
+                <a:latin typeface="Hiragino Sans W4" panose="020B0400000000000000" pitchFamily="34" charset="-128"/>
+                <a:ea typeface="Hiragino Sans W4" panose="020B0400000000000000" pitchFamily="34" charset="-128"/>
+              </a:rPr>
+              <a:t>属性で指定する</a:t>
+            </a:r>
+          </a:p>
+        </p:txBody>
+      </p:sp>
+      <p:pic>
+        <p:nvPicPr>
+          <p:cNvPr id="3" name="図 2" descr="グラフィカル ユーザー インターフェイス, アプリケーション&#10;&#10;中程度の精度で自動的に生成された説明">
+            <a:extLst>
+              <a:ext uri="{FF2B5EF4-FFF2-40B4-BE49-F238E27FC236}">
+                <a16:creationId xmlns:a16="http://schemas.microsoft.com/office/drawing/2014/main" id="{EFF5F35F-7BE6-DA77-D823-AF5ED9A235CB}"/>
+              </a:ext>
+            </a:extLst>
+          </p:cNvPr>
+          <p:cNvPicPr>
+            <a:picLocks noChangeAspect="1"/>
+          </p:cNvPicPr>
+          <p:nvPr/>
+        </p:nvPicPr>
+        <p:blipFill>
+          <a:blip r:embed="rId2"/>
+          <a:stretch>
+            <a:fillRect/>
+          </a:stretch>
+        </p:blipFill>
+        <p:spPr>
+          <a:xfrm>
+            <a:off x="6709065" y="3279617"/>
+            <a:ext cx="6083300" cy="1397000"/>
+          </a:xfrm>
+          <a:prstGeom prst="rect">
+            <a:avLst/>
+          </a:prstGeom>
+        </p:spPr>
+      </p:pic>
+      <p:sp>
+        <p:nvSpPr>
+          <p:cNvPr id="8" name="テキスト ボックス 7">
+            <a:extLst>
+              <a:ext uri="{FF2B5EF4-FFF2-40B4-BE49-F238E27FC236}">
+                <a16:creationId xmlns:a16="http://schemas.microsoft.com/office/drawing/2014/main" id="{7002CFBB-DF18-6C3F-889F-C2241FB97912}"/>
+              </a:ext>
+            </a:extLst>
+          </p:cNvPr>
+          <p:cNvSpPr txBox="1"/>
+          <p:nvPr/>
+        </p:nvSpPr>
+        <p:spPr>
+          <a:xfrm>
+            <a:off x="611161" y="1708765"/>
+            <a:ext cx="7457090" cy="923330"/>
+          </a:xfrm>
+          <a:prstGeom prst="rect">
+            <a:avLst/>
+          </a:prstGeom>
+          <a:noFill/>
+        </p:spPr>
+        <p:txBody>
+          <a:bodyPr wrap="square">
+            <a:spAutoFit/>
+          </a:bodyPr>
+          <a:lstStyle/>
+          <a:p>
+            <a:r>
+              <a:rPr lang="en" altLang="ja-JP" b="0" dirty="0">
+                <a:solidFill>
+                  <a:srgbClr val="ABB2BF"/>
+                </a:solidFill>
+                <a:effectLst/>
+                <a:latin typeface="Menlo" panose="020B0609030804020204" pitchFamily="49" charset="0"/>
+              </a:rPr>
+              <a:t>&lt;</a:t>
+            </a:r>
+            <a:r>
+              <a:rPr lang="en" altLang="ja-JP" b="0" dirty="0">
+                <a:solidFill>
+                  <a:srgbClr val="EF596F"/>
+                </a:solidFill>
+                <a:effectLst/>
+                <a:latin typeface="Menlo" panose="020B0609030804020204" pitchFamily="49" charset="0"/>
+              </a:rPr>
+              <a:t>p</a:t>
+            </a:r>
+            <a:r>
+              <a:rPr lang="en" altLang="ja-JP" b="0" dirty="0">
+                <a:solidFill>
+                  <a:srgbClr val="ABB2BF"/>
+                </a:solidFill>
+                <a:effectLst/>
+                <a:latin typeface="Menlo" panose="020B0609030804020204" pitchFamily="49" charset="0"/>
+              </a:rPr>
+              <a:t> </a:t>
+            </a:r>
+            <a:r>
+              <a:rPr lang="en" altLang="ja-JP" b="0" dirty="0">
+                <a:solidFill>
+                  <a:srgbClr val="D19A66"/>
+                </a:solidFill>
+                <a:effectLst/>
+                <a:latin typeface="Menlo" panose="020B0609030804020204" pitchFamily="49" charset="0"/>
+              </a:rPr>
+              <a:t>class</a:t>
+            </a:r>
+            <a:r>
+              <a:rPr lang="en" altLang="ja-JP" b="0" dirty="0">
+                <a:solidFill>
+                  <a:srgbClr val="ABB2BF"/>
+                </a:solidFill>
+                <a:effectLst/>
+                <a:latin typeface="Menlo" panose="020B0609030804020204" pitchFamily="49" charset="0"/>
+              </a:rPr>
+              <a:t>=</a:t>
+            </a:r>
+            <a:r>
+              <a:rPr lang="en" altLang="ja-JP" b="0" dirty="0">
+                <a:solidFill>
+                  <a:srgbClr val="89CA78"/>
+                </a:solidFill>
+                <a:effectLst/>
+                <a:latin typeface="Menlo" panose="020B0609030804020204" pitchFamily="49" charset="0"/>
+              </a:rPr>
+              <a:t>“p-tag-class”</a:t>
+            </a:r>
+            <a:r>
+              <a:rPr lang="en" altLang="ja-JP" b="0" dirty="0">
+                <a:solidFill>
+                  <a:srgbClr val="ABB2BF"/>
+                </a:solidFill>
+                <a:effectLst/>
+                <a:latin typeface="Menlo" panose="020B0609030804020204" pitchFamily="49" charset="0"/>
+              </a:rPr>
+              <a:t>&gt;class</a:t>
+            </a:r>
+            <a:r>
+              <a:rPr lang="ja-JP" altLang="en-US" b="0">
+                <a:solidFill>
+                  <a:srgbClr val="ABB2BF"/>
+                </a:solidFill>
+                <a:effectLst/>
+                <a:latin typeface="Menlo" panose="020B0609030804020204" pitchFamily="49" charset="0"/>
+              </a:rPr>
+              <a:t>での指定はこんな感</a:t>
+            </a:r>
+            <a:r>
+              <a:rPr lang="ja-JP" altLang="en-US">
+                <a:solidFill>
+                  <a:srgbClr val="ABB2BF"/>
+                </a:solidFill>
+                <a:latin typeface="Menlo" panose="020B0609030804020204" pitchFamily="49" charset="0"/>
+              </a:rPr>
+              <a:t>じ</a:t>
+            </a:r>
+            <a:r>
+              <a:rPr lang="en-US" altLang="ja-JP" b="0" dirty="0">
+                <a:solidFill>
+                  <a:srgbClr val="ABB2BF"/>
+                </a:solidFill>
+                <a:effectLst/>
+                <a:latin typeface="Menlo" panose="020B0609030804020204" pitchFamily="49" charset="0"/>
+              </a:rPr>
+              <a:t>&lt;/</a:t>
+            </a:r>
+            <a:r>
+              <a:rPr lang="en" altLang="ja-JP" b="0" dirty="0">
+                <a:solidFill>
+                  <a:srgbClr val="EF596F"/>
+                </a:solidFill>
+                <a:effectLst/>
+                <a:latin typeface="Menlo" panose="020B0609030804020204" pitchFamily="49" charset="0"/>
+              </a:rPr>
+              <a:t>p</a:t>
+            </a:r>
+            <a:r>
+              <a:rPr lang="en" altLang="ja-JP" b="0" dirty="0">
+                <a:solidFill>
+                  <a:srgbClr val="ABB2BF"/>
+                </a:solidFill>
+                <a:effectLst/>
+                <a:latin typeface="Menlo" panose="020B0609030804020204" pitchFamily="49" charset="0"/>
+              </a:rPr>
+              <a:t>&gt;</a:t>
+            </a:r>
+          </a:p>
+          <a:p>
+            <a:endParaRPr lang="en" altLang="ja-JP" b="0" dirty="0">
+              <a:solidFill>
+                <a:srgbClr val="ABB2BF"/>
+              </a:solidFill>
+              <a:effectLst/>
+              <a:latin typeface="Menlo" panose="020B0609030804020204" pitchFamily="49" charset="0"/>
+            </a:endParaRPr>
+          </a:p>
+          <a:p>
+            <a:r>
+              <a:rPr lang="en" altLang="ja-JP" b="0" dirty="0">
+                <a:solidFill>
+                  <a:srgbClr val="ABB2BF"/>
+                </a:solidFill>
+                <a:effectLst/>
+                <a:latin typeface="Menlo" panose="020B0609030804020204" pitchFamily="49" charset="0"/>
+              </a:rPr>
+              <a:t>&lt;</a:t>
+            </a:r>
+            <a:r>
+              <a:rPr lang="en" altLang="ja-JP" b="0" dirty="0">
+                <a:solidFill>
+                  <a:srgbClr val="EF596F"/>
+                </a:solidFill>
+                <a:effectLst/>
+                <a:latin typeface="Menlo" panose="020B0609030804020204" pitchFamily="49" charset="0"/>
+              </a:rPr>
+              <a:t>p</a:t>
+            </a:r>
+            <a:r>
+              <a:rPr lang="en" altLang="ja-JP" b="0" dirty="0">
+                <a:solidFill>
+                  <a:srgbClr val="ABB2BF"/>
+                </a:solidFill>
+                <a:effectLst/>
+                <a:latin typeface="Menlo" panose="020B0609030804020204" pitchFamily="49" charset="0"/>
+              </a:rPr>
+              <a:t> </a:t>
+            </a:r>
+            <a:r>
+              <a:rPr lang="en" altLang="ja-JP" b="0" dirty="0">
+                <a:solidFill>
+                  <a:srgbClr val="D19A66"/>
+                </a:solidFill>
+                <a:effectLst/>
+                <a:latin typeface="Menlo" panose="020B0609030804020204" pitchFamily="49" charset="0"/>
+              </a:rPr>
+              <a:t>id</a:t>
+            </a:r>
+            <a:r>
+              <a:rPr lang="en" altLang="ja-JP" b="0" dirty="0">
+                <a:solidFill>
+                  <a:srgbClr val="ABB2BF"/>
+                </a:solidFill>
+                <a:effectLst/>
+                <a:latin typeface="Menlo" panose="020B0609030804020204" pitchFamily="49" charset="0"/>
+              </a:rPr>
+              <a:t>=</a:t>
+            </a:r>
+            <a:r>
+              <a:rPr lang="en" altLang="ja-JP" b="0" dirty="0">
+                <a:solidFill>
+                  <a:srgbClr val="89CA78"/>
+                </a:solidFill>
+                <a:effectLst/>
+                <a:latin typeface="Menlo" panose="020B0609030804020204" pitchFamily="49" charset="0"/>
+              </a:rPr>
+              <a:t>"p-tag-id"</a:t>
+            </a:r>
+            <a:r>
+              <a:rPr lang="en" altLang="ja-JP" b="0" dirty="0">
+                <a:solidFill>
+                  <a:srgbClr val="ABB2BF"/>
+                </a:solidFill>
+                <a:effectLst/>
+                <a:latin typeface="Menlo" panose="020B0609030804020204" pitchFamily="49" charset="0"/>
+              </a:rPr>
+              <a:t>&gt;</a:t>
+            </a:r>
+            <a:r>
+              <a:rPr lang="ja-JP" altLang="en-US" b="0">
+                <a:solidFill>
+                  <a:srgbClr val="ABB2BF"/>
+                </a:solidFill>
+                <a:effectLst/>
+                <a:latin typeface="Menlo" panose="020B0609030804020204" pitchFamily="49" charset="0"/>
+              </a:rPr>
+              <a:t>これが</a:t>
+            </a:r>
+            <a:r>
+              <a:rPr lang="en" altLang="ja-JP" b="0" dirty="0">
+                <a:solidFill>
+                  <a:srgbClr val="ABB2BF"/>
+                </a:solidFill>
+                <a:effectLst/>
+                <a:latin typeface="Menlo" panose="020B0609030804020204" pitchFamily="49" charset="0"/>
+              </a:rPr>
+              <a:t>id</a:t>
+            </a:r>
+            <a:r>
+              <a:rPr lang="ja-JP" altLang="en-US" b="0">
+                <a:solidFill>
+                  <a:srgbClr val="ABB2BF"/>
+                </a:solidFill>
+                <a:effectLst/>
+                <a:latin typeface="Menlo" panose="020B0609030804020204" pitchFamily="49" charset="0"/>
+              </a:rPr>
+              <a:t>での指定です。</a:t>
+            </a:r>
+            <a:r>
+              <a:rPr lang="en-US" altLang="ja-JP" b="0" dirty="0">
+                <a:solidFill>
+                  <a:srgbClr val="ABB2BF"/>
+                </a:solidFill>
+                <a:effectLst/>
+                <a:latin typeface="Menlo" panose="020B0609030804020204" pitchFamily="49" charset="0"/>
+              </a:rPr>
+              <a:t>&lt;/</a:t>
+            </a:r>
+            <a:r>
+              <a:rPr lang="en" altLang="ja-JP" b="0" dirty="0">
+                <a:solidFill>
+                  <a:srgbClr val="EF596F"/>
+                </a:solidFill>
+                <a:effectLst/>
+                <a:latin typeface="Menlo" panose="020B0609030804020204" pitchFamily="49" charset="0"/>
+              </a:rPr>
+              <a:t>p</a:t>
+            </a:r>
+            <a:r>
+              <a:rPr lang="en" altLang="ja-JP" b="0" dirty="0">
+                <a:solidFill>
+                  <a:srgbClr val="ABB2BF"/>
+                </a:solidFill>
+                <a:effectLst/>
+                <a:latin typeface="Menlo" panose="020B0609030804020204" pitchFamily="49" charset="0"/>
+              </a:rPr>
+              <a:t>&gt;</a:t>
+            </a:r>
+          </a:p>
+        </p:txBody>
+      </p:sp>
+      <p:sp>
+        <p:nvSpPr>
+          <p:cNvPr id="10" name="テキスト ボックス 9">
+            <a:extLst>
+              <a:ext uri="{FF2B5EF4-FFF2-40B4-BE49-F238E27FC236}">
+                <a16:creationId xmlns:a16="http://schemas.microsoft.com/office/drawing/2014/main" id="{40B3722B-9430-4F81-F362-46B5421D6DCF}"/>
+              </a:ext>
+            </a:extLst>
+          </p:cNvPr>
+          <p:cNvSpPr txBox="1"/>
+          <p:nvPr/>
+        </p:nvSpPr>
+        <p:spPr>
+          <a:xfrm>
+            <a:off x="611161" y="3105766"/>
+            <a:ext cx="6097904" cy="2585323"/>
+          </a:xfrm>
+          <a:prstGeom prst="rect">
+            <a:avLst/>
+          </a:prstGeom>
+          <a:noFill/>
+        </p:spPr>
+        <p:txBody>
+          <a:bodyPr wrap="square">
+            <a:spAutoFit/>
+          </a:bodyPr>
+          <a:lstStyle/>
+          <a:p>
+            <a:r>
+              <a:rPr lang="en" altLang="ja-JP" b="0" dirty="0">
+                <a:solidFill>
+                  <a:srgbClr val="D19A66"/>
+                </a:solidFill>
+                <a:effectLst/>
+                <a:latin typeface="Menlo" panose="020B0609030804020204" pitchFamily="49" charset="0"/>
+              </a:rPr>
+              <a:t>.p-tag-class</a:t>
+            </a:r>
+            <a:r>
+              <a:rPr lang="en" altLang="ja-JP" b="0" dirty="0">
+                <a:solidFill>
+                  <a:srgbClr val="ABB2BF"/>
+                </a:solidFill>
+                <a:effectLst/>
+                <a:latin typeface="Menlo" panose="020B0609030804020204" pitchFamily="49" charset="0"/>
+              </a:rPr>
+              <a:t> {</a:t>
+            </a:r>
+          </a:p>
+          <a:p>
+            <a:r>
+              <a:rPr lang="ja-JP" altLang="en-US">
+                <a:solidFill>
+                  <a:srgbClr val="ABB2BF"/>
+                </a:solidFill>
+                <a:latin typeface="Menlo" panose="020B0609030804020204" pitchFamily="49" charset="0"/>
+              </a:rPr>
+              <a:t>　</a:t>
+            </a:r>
+            <a:r>
+              <a:rPr lang="en" altLang="ja-JP" b="0" dirty="0">
+                <a:solidFill>
+                  <a:srgbClr val="ABB2BF"/>
+                </a:solidFill>
+                <a:effectLst/>
+                <a:latin typeface="Menlo" panose="020B0609030804020204" pitchFamily="49" charset="0"/>
+              </a:rPr>
+              <a:t>color: </a:t>
+            </a:r>
+            <a:r>
+              <a:rPr lang="en" altLang="ja-JP" b="0" dirty="0">
+                <a:solidFill>
+                  <a:srgbClr val="D19A66"/>
+                </a:solidFill>
+                <a:effectLst/>
+                <a:latin typeface="Menlo" panose="020B0609030804020204" pitchFamily="49" charset="0"/>
+              </a:rPr>
+              <a:t>red</a:t>
+            </a:r>
+            <a:r>
+              <a:rPr lang="en" altLang="ja-JP" b="0" dirty="0">
+                <a:solidFill>
+                  <a:srgbClr val="ABB2BF"/>
+                </a:solidFill>
+                <a:effectLst/>
+                <a:latin typeface="Menlo" panose="020B0609030804020204" pitchFamily="49" charset="0"/>
+              </a:rPr>
+              <a:t>;</a:t>
+            </a:r>
+          </a:p>
+          <a:p>
+            <a:r>
+              <a:rPr lang="en" altLang="ja-JP" b="0" dirty="0">
+                <a:solidFill>
+                  <a:srgbClr val="ABB2BF"/>
+                </a:solidFill>
+                <a:effectLst/>
+                <a:latin typeface="Menlo" panose="020B0609030804020204" pitchFamily="49" charset="0"/>
+              </a:rPr>
+              <a:t>}</a:t>
+            </a:r>
+          </a:p>
+          <a:p>
+            <a:br>
+              <a:rPr lang="en" altLang="ja-JP" b="0" dirty="0">
+                <a:solidFill>
+                  <a:srgbClr val="ABB2BF"/>
+                </a:solidFill>
+                <a:effectLst/>
+                <a:latin typeface="Menlo" panose="020B0609030804020204" pitchFamily="49" charset="0"/>
+              </a:rPr>
+            </a:br>
+            <a:r>
+              <a:rPr lang="en" altLang="ja-JP" b="0" dirty="0">
+                <a:solidFill>
+                  <a:srgbClr val="61AFEF"/>
+                </a:solidFill>
+                <a:effectLst/>
+                <a:latin typeface="Menlo" panose="020B0609030804020204" pitchFamily="49" charset="0"/>
+              </a:rPr>
+              <a:t>#p-tag-id</a:t>
+            </a:r>
+            <a:r>
+              <a:rPr lang="en" altLang="ja-JP" b="0" dirty="0">
+                <a:solidFill>
+                  <a:srgbClr val="ABB2BF"/>
+                </a:solidFill>
+                <a:effectLst/>
+                <a:latin typeface="Menlo" panose="020B0609030804020204" pitchFamily="49" charset="0"/>
+              </a:rPr>
+              <a:t> {</a:t>
+            </a:r>
+          </a:p>
+          <a:p>
+            <a:r>
+              <a:rPr lang="ja-JP" altLang="en-US" b="0">
+                <a:solidFill>
+                  <a:srgbClr val="ABB2BF"/>
+                </a:solidFill>
+                <a:effectLst/>
+                <a:latin typeface="Menlo" panose="020B0609030804020204" pitchFamily="49" charset="0"/>
+              </a:rPr>
+              <a:t>　</a:t>
+            </a:r>
+            <a:r>
+              <a:rPr lang="en" altLang="ja-JP" b="0" dirty="0">
+                <a:solidFill>
+                  <a:srgbClr val="ABB2BF"/>
+                </a:solidFill>
+                <a:effectLst/>
+                <a:latin typeface="Menlo" panose="020B0609030804020204" pitchFamily="49" charset="0"/>
+              </a:rPr>
+              <a:t>color: </a:t>
+            </a:r>
+            <a:r>
+              <a:rPr lang="en" altLang="ja-JP" b="0" dirty="0">
+                <a:solidFill>
+                  <a:srgbClr val="D19A66"/>
+                </a:solidFill>
+                <a:effectLst/>
+                <a:latin typeface="Menlo" panose="020B0609030804020204" pitchFamily="49" charset="0"/>
+              </a:rPr>
+              <a:t>blue</a:t>
+            </a:r>
+            <a:r>
+              <a:rPr lang="en" altLang="ja-JP" b="0" dirty="0">
+                <a:solidFill>
+                  <a:srgbClr val="ABB2BF"/>
+                </a:solidFill>
+                <a:effectLst/>
+                <a:latin typeface="Menlo" panose="020B0609030804020204" pitchFamily="49" charset="0"/>
+              </a:rPr>
+              <a:t>;</a:t>
+            </a:r>
+          </a:p>
+          <a:p>
+            <a:r>
+              <a:rPr lang="en" altLang="ja-JP" b="0" dirty="0">
+                <a:solidFill>
+                  <a:srgbClr val="ABB2BF"/>
+                </a:solidFill>
+                <a:effectLst/>
+                <a:latin typeface="Menlo" panose="020B0609030804020204" pitchFamily="49" charset="0"/>
+              </a:rPr>
+              <a:t>}</a:t>
+            </a:r>
+          </a:p>
+          <a:p>
+            <a:br>
+              <a:rPr lang="en" altLang="ja-JP" b="0" dirty="0">
+                <a:solidFill>
+                  <a:srgbClr val="ABB2BF"/>
+                </a:solidFill>
+                <a:effectLst/>
+                <a:latin typeface="Menlo" panose="020B0609030804020204" pitchFamily="49" charset="0"/>
+              </a:rPr>
+            </a:br>
+            <a:endParaRPr lang="en" altLang="ja-JP" b="0" dirty="0">
+              <a:solidFill>
+                <a:srgbClr val="ABB2BF"/>
+              </a:solidFill>
+              <a:effectLst/>
+              <a:latin typeface="Menlo" panose="020B0609030804020204" pitchFamily="49" charset="0"/>
+            </a:endParaRPr>
+          </a:p>
+        </p:txBody>
+      </p:sp>
+    </p:spTree>
+    <p:extLst>
+      <p:ext uri="{BB962C8B-B14F-4D97-AF65-F5344CB8AC3E}">
+        <p14:creationId xmlns:p14="http://schemas.microsoft.com/office/powerpoint/2010/main" val="721680506"/>
+      </p:ext>
+    </p:extLst>
+  </p:cSld>
+  <p:clrMapOvr>
+    <a:masterClrMapping/>
+  </p:clrMapOvr>
+</p:sld>
+</file>
+
 <file path=ppt/slides/slide2.xml><?xml version="1.0" encoding="utf-8"?>
 <p:sld xmlns:a="http://schemas.openxmlformats.org/drawingml/2006/main" xmlns:r="http://schemas.openxmlformats.org/officeDocument/2006/relationships" xmlns:p="http://schemas.openxmlformats.org/presentationml/2006/main">
   <p:cSld>
@@ -4263,7 +5479,7 @@
                 <a:latin typeface="Hiragino Sans W4" panose="020B0400000000000000" pitchFamily="34" charset="-128"/>
                 <a:ea typeface="Hiragino Sans W4" panose="020B0400000000000000" pitchFamily="34" charset="-128"/>
               </a:rPr>
-              <a:t>（見出し）</a:t>
+              <a:t>（見出しタグ）</a:t>
             </a:r>
           </a:p>
         </p:txBody>
@@ -4283,7 +5499,7 @@
         <p:spPr>
           <a:xfrm>
             <a:off x="980304" y="3059668"/>
-            <a:ext cx="3529914" cy="369332"/>
+            <a:ext cx="3529914" cy="400110"/>
           </a:xfrm>
           <a:prstGeom prst="rect">
             <a:avLst/>
@@ -4297,7 +5513,7 @@
           <a:lstStyle/>
           <a:p>
             <a:r>
-              <a:rPr lang="en" altLang="ja-JP" b="0" dirty="0">
+              <a:rPr lang="en" altLang="ja-JP" sz="2000" b="0" dirty="0">
                 <a:solidFill>
                   <a:srgbClr val="ABB2BF"/>
                 </a:solidFill>
@@ -4307,7 +5523,7 @@
               <a:t>&lt;</a:t>
             </a:r>
             <a:r>
-              <a:rPr lang="en" altLang="ja-JP" b="0" dirty="0">
+              <a:rPr lang="en" altLang="ja-JP" sz="2000" b="0" dirty="0">
                 <a:solidFill>
                   <a:srgbClr val="EF596F"/>
                 </a:solidFill>
@@ -4317,7 +5533,7 @@
               <a:t>h1</a:t>
             </a:r>
             <a:r>
-              <a:rPr lang="en" altLang="ja-JP" b="0" dirty="0">
+              <a:rPr lang="en" altLang="ja-JP" sz="2000" b="0" dirty="0">
                 <a:solidFill>
                   <a:srgbClr val="ABB2BF"/>
                 </a:solidFill>
@@ -4327,7 +5543,7 @@
               <a:t>&gt;Hello, HTML&lt;/</a:t>
             </a:r>
             <a:r>
-              <a:rPr lang="en" altLang="ja-JP" b="0" dirty="0">
+              <a:rPr lang="en" altLang="ja-JP" sz="2000" b="0" dirty="0">
                 <a:solidFill>
                   <a:srgbClr val="EF596F"/>
                 </a:solidFill>
@@ -4337,7 +5553,7 @@
               <a:t>h1</a:t>
             </a:r>
             <a:r>
-              <a:rPr lang="en" altLang="ja-JP" b="0" dirty="0">
+              <a:rPr lang="en" altLang="ja-JP" sz="2000" b="0" dirty="0">
                 <a:solidFill>
                   <a:srgbClr val="ABB2BF"/>
                 </a:solidFill>
@@ -4513,7 +5729,7 @@
                 <a:latin typeface="Hiragino Sans W4" panose="020B0400000000000000" pitchFamily="34" charset="-128"/>
                 <a:ea typeface="Hiragino Sans W4" panose="020B0400000000000000" pitchFamily="34" charset="-128"/>
               </a:rPr>
-              <a:t>（見出し）</a:t>
+              <a:t>（見出しタグ）</a:t>
             </a:r>
           </a:p>
         </p:txBody>
@@ -4827,8 +6043,8 @@
         </p:nvSpPr>
         <p:spPr>
           <a:xfrm>
-            <a:off x="1163595" y="5009630"/>
-            <a:ext cx="10169609" cy="369332"/>
+            <a:off x="600332" y="5060890"/>
+            <a:ext cx="10686535" cy="400110"/>
           </a:xfrm>
           <a:prstGeom prst="rect">
             <a:avLst/>
@@ -4842,7 +6058,7 @@
           <a:lstStyle/>
           <a:p>
             <a:r>
-              <a:rPr lang="en" altLang="ja-JP" b="0" dirty="0">
+              <a:rPr lang="en" altLang="ja-JP" sz="2000" b="0" dirty="0">
                 <a:solidFill>
                   <a:srgbClr val="ABB2BF"/>
                 </a:solidFill>
@@ -4852,7 +6068,7 @@
               <a:t>&lt;</a:t>
             </a:r>
             <a:r>
-              <a:rPr lang="en" altLang="ja-JP" b="0" dirty="0">
+              <a:rPr lang="en" altLang="ja-JP" sz="2000" b="0" dirty="0">
                 <a:solidFill>
                   <a:srgbClr val="EF596F"/>
                 </a:solidFill>
@@ -4862,7 +6078,7 @@
               <a:t>a</a:t>
             </a:r>
             <a:r>
-              <a:rPr lang="en" altLang="ja-JP" b="0" dirty="0">
+              <a:rPr lang="en" altLang="ja-JP" sz="2000" b="0" dirty="0">
                 <a:solidFill>
                   <a:srgbClr val="ABB2BF"/>
                 </a:solidFill>
@@ -4872,7 +6088,7 @@
               <a:t> </a:t>
             </a:r>
             <a:r>
-              <a:rPr lang="en" altLang="ja-JP" b="0" dirty="0" err="1">
+              <a:rPr lang="en" altLang="ja-JP" sz="2000" b="0" dirty="0" err="1">
                 <a:solidFill>
                   <a:srgbClr val="D19A66"/>
                 </a:solidFill>
@@ -4882,7 +6098,7 @@
               <a:t>href</a:t>
             </a:r>
             <a:r>
-              <a:rPr lang="en" altLang="ja-JP" b="0" dirty="0">
+              <a:rPr lang="en" altLang="ja-JP" sz="2000" b="0" dirty="0">
                 <a:solidFill>
                   <a:srgbClr val="ABB2BF"/>
                 </a:solidFill>
@@ -4892,7 +6108,7 @@
               <a:t>=</a:t>
             </a:r>
             <a:r>
-              <a:rPr lang="en" altLang="ja-JP" b="0" dirty="0">
+              <a:rPr lang="en" altLang="ja-JP" sz="2000" b="0" dirty="0">
                 <a:solidFill>
                   <a:srgbClr val="89CA78"/>
                 </a:solidFill>
@@ -4902,7 +6118,7 @@
               <a:t>"https://</a:t>
             </a:r>
             <a:r>
-              <a:rPr lang="en" altLang="ja-JP" b="0" dirty="0" err="1">
+              <a:rPr lang="en" altLang="ja-JP" sz="2000" b="0" dirty="0" err="1">
                 <a:solidFill>
                   <a:srgbClr val="89CA78"/>
                 </a:solidFill>
@@ -4912,7 +6128,7 @@
               <a:t>www.google.com</a:t>
             </a:r>
             <a:r>
-              <a:rPr lang="en" altLang="ja-JP" b="0" dirty="0">
+              <a:rPr lang="en" altLang="ja-JP" sz="2000" b="0" dirty="0">
                 <a:solidFill>
                   <a:srgbClr val="89CA78"/>
                 </a:solidFill>
@@ -4922,7 +6138,7 @@
               <a:t>/"</a:t>
             </a:r>
             <a:r>
-              <a:rPr lang="en" altLang="ja-JP" b="0" dirty="0">
+              <a:rPr lang="en" altLang="ja-JP" sz="2000" b="0" dirty="0">
                 <a:solidFill>
                   <a:srgbClr val="ABB2BF"/>
                 </a:solidFill>
@@ -4932,7 +6148,7 @@
               <a:t>&gt;</a:t>
             </a:r>
             <a:r>
-              <a:rPr lang="ja-JP" altLang="en-US" b="0">
+              <a:rPr lang="ja-JP" altLang="en-US" sz="2000" b="0">
                 <a:solidFill>
                   <a:srgbClr val="ABB2BF"/>
                 </a:solidFill>
@@ -4942,7 +6158,7 @@
               <a:t>ここが</a:t>
             </a:r>
             <a:r>
-              <a:rPr lang="en" altLang="ja-JP" b="0" dirty="0">
+              <a:rPr lang="en" altLang="ja-JP" sz="2000" b="0" dirty="0">
                 <a:solidFill>
                   <a:srgbClr val="ABB2BF"/>
                 </a:solidFill>
@@ -4952,7 +6168,7 @@
               <a:t>Google</a:t>
             </a:r>
             <a:r>
-              <a:rPr lang="ja-JP" altLang="en-US" b="0">
+              <a:rPr lang="ja-JP" altLang="en-US" sz="2000" b="0">
                 <a:solidFill>
                   <a:srgbClr val="ABB2BF"/>
                 </a:solidFill>
@@ -4962,7 +6178,7 @@
               <a:t>へのリンクになります。</a:t>
             </a:r>
             <a:r>
-              <a:rPr lang="en-US" altLang="ja-JP" b="0" dirty="0">
+              <a:rPr lang="en-US" altLang="ja-JP" sz="2000" b="0" dirty="0">
                 <a:solidFill>
                   <a:srgbClr val="ABB2BF"/>
                 </a:solidFill>
@@ -4972,7 +6188,7 @@
               <a:t>&lt;/</a:t>
             </a:r>
             <a:r>
-              <a:rPr lang="en" altLang="ja-JP" b="0" dirty="0">
+              <a:rPr lang="en" altLang="ja-JP" sz="2000" b="0" dirty="0">
                 <a:solidFill>
                   <a:srgbClr val="EF596F"/>
                 </a:solidFill>
@@ -4982,7 +6198,7 @@
               <a:t>a</a:t>
             </a:r>
             <a:r>
-              <a:rPr lang="en" altLang="ja-JP" b="0" dirty="0">
+              <a:rPr lang="en" altLang="ja-JP" sz="2000" b="0" dirty="0">
                 <a:solidFill>
                   <a:srgbClr val="ABB2BF"/>
                 </a:solidFill>
@@ -5031,6 +6247,50 @@
           </a:effectLst>
         </p:spPr>
       </p:pic>
+      <p:sp>
+        <p:nvSpPr>
+          <p:cNvPr id="8" name="テキスト ボックス 7">
+            <a:extLst>
+              <a:ext uri="{FF2B5EF4-FFF2-40B4-BE49-F238E27FC236}">
+                <a16:creationId xmlns:a16="http://schemas.microsoft.com/office/drawing/2014/main" id="{A80AEFBC-2813-F00A-3773-0CF2B0D25C1E}"/>
+              </a:ext>
+            </a:extLst>
+          </p:cNvPr>
+          <p:cNvSpPr txBox="1"/>
+          <p:nvPr/>
+        </p:nvSpPr>
+        <p:spPr>
+          <a:xfrm>
+            <a:off x="600332" y="5857043"/>
+            <a:ext cx="2919389" cy="369332"/>
+          </a:xfrm>
+          <a:prstGeom prst="rect">
+            <a:avLst/>
+          </a:prstGeom>
+          <a:noFill/>
+        </p:spPr>
+        <p:txBody>
+          <a:bodyPr wrap="none" rtlCol="0">
+            <a:spAutoFit/>
+          </a:bodyPr>
+          <a:lstStyle/>
+          <a:p>
+            <a:r>
+              <a:rPr lang="en-US" altLang="ja-JP" dirty="0" err="1"/>
+              <a:t>h</a:t>
+            </a:r>
+            <a:r>
+              <a:rPr kumimoji="1" lang="en-US" altLang="ja-JP" dirty="0" err="1"/>
+              <a:t>ref</a:t>
+            </a:r>
+            <a:r>
+              <a:rPr lang="ja-JP" altLang="en-US"/>
+              <a:t>でリンク先を指定する</a:t>
+            </a:r>
+            <a:endParaRPr kumimoji="1" lang="ja-JP" altLang="en-US"/>
+          </a:p>
+        </p:txBody>
+      </p:sp>
     </p:spTree>
     <p:extLst>
       <p:ext uri="{BB962C8B-B14F-4D97-AF65-F5344CB8AC3E}">
@@ -5223,6 +6483,727 @@
     <p:extLst>
       <p:ext uri="{BB962C8B-B14F-4D97-AF65-F5344CB8AC3E}">
         <p14:creationId xmlns:p14="http://schemas.microsoft.com/office/powerpoint/2010/main" val="1639463925"/>
+      </p:ext>
+    </p:extLst>
+  </p:cSld>
+  <p:clrMapOvr>
+    <a:masterClrMapping/>
+  </p:clrMapOvr>
+</p:sld>
+</file>
+
+<file path=ppt/slides/slide8.xml><?xml version="1.0" encoding="utf-8"?>
+<p:sld xmlns:a="http://schemas.openxmlformats.org/drawingml/2006/main" xmlns:r="http://schemas.openxmlformats.org/officeDocument/2006/relationships" xmlns:p="http://schemas.openxmlformats.org/presentationml/2006/main">
+  <p:cSld>
+    <p:spTree>
+      <p:nvGrpSpPr>
+        <p:cNvPr id="1" name=""/>
+        <p:cNvGrpSpPr/>
+        <p:nvPr/>
+      </p:nvGrpSpPr>
+      <p:grpSpPr>
+        <a:xfrm>
+          <a:off x="0" y="0"/>
+          <a:ext cx="0" cy="0"/>
+          <a:chOff x="0" y="0"/>
+          <a:chExt cx="0" cy="0"/>
+        </a:xfrm>
+      </p:grpSpPr>
+      <p:sp>
+        <p:nvSpPr>
+          <p:cNvPr id="25" name="テキスト ボックス 24">
+            <a:extLst>
+              <a:ext uri="{FF2B5EF4-FFF2-40B4-BE49-F238E27FC236}">
+                <a16:creationId xmlns:a16="http://schemas.microsoft.com/office/drawing/2014/main" id="{98FFFBE8-A137-921B-2495-34421D85F292}"/>
+              </a:ext>
+            </a:extLst>
+          </p:cNvPr>
+          <p:cNvSpPr txBox="1"/>
+          <p:nvPr/>
+        </p:nvSpPr>
+        <p:spPr>
+          <a:xfrm>
+            <a:off x="611162" y="333632"/>
+            <a:ext cx="7265774" cy="646331"/>
+          </a:xfrm>
+          <a:prstGeom prst="rect">
+            <a:avLst/>
+          </a:prstGeom>
+          <a:noFill/>
+        </p:spPr>
+        <p:txBody>
+          <a:bodyPr wrap="square" rtlCol="0">
+            <a:spAutoFit/>
+          </a:bodyPr>
+          <a:lstStyle/>
+          <a:p>
+            <a:r>
+              <a:rPr kumimoji="1" lang="en-US" altLang="ja-JP" sz="3600" dirty="0">
+                <a:solidFill>
+                  <a:schemeClr val="tx1">
+                    <a:lumMod val="75000"/>
+                    <a:lumOff val="25000"/>
+                  </a:schemeClr>
+                </a:solidFill>
+                <a:latin typeface="Hiragino Sans W4" panose="020B0400000000000000" pitchFamily="34" charset="-128"/>
+                <a:ea typeface="Hiragino Sans W4" panose="020B0400000000000000" pitchFamily="34" charset="-128"/>
+              </a:rPr>
+              <a:t>CSS</a:t>
+            </a:r>
+            <a:endParaRPr kumimoji="1" lang="ja-JP" altLang="en-US" sz="3600">
+              <a:solidFill>
+                <a:schemeClr val="tx1">
+                  <a:lumMod val="75000"/>
+                  <a:lumOff val="25000"/>
+                </a:schemeClr>
+              </a:solidFill>
+              <a:latin typeface="Hiragino Sans W4" panose="020B0400000000000000" pitchFamily="34" charset="-128"/>
+              <a:ea typeface="Hiragino Sans W4" panose="020B0400000000000000" pitchFamily="34" charset="-128"/>
+            </a:endParaRPr>
+          </a:p>
+        </p:txBody>
+      </p:sp>
+      <p:sp>
+        <p:nvSpPr>
+          <p:cNvPr id="5" name="テキスト ボックス 4">
+            <a:extLst>
+              <a:ext uri="{FF2B5EF4-FFF2-40B4-BE49-F238E27FC236}">
+                <a16:creationId xmlns:a16="http://schemas.microsoft.com/office/drawing/2014/main" id="{7B555DFD-B725-507D-491A-703CA2C53893}"/>
+              </a:ext>
+            </a:extLst>
+          </p:cNvPr>
+          <p:cNvSpPr txBox="1"/>
+          <p:nvPr/>
+        </p:nvSpPr>
+        <p:spPr>
+          <a:xfrm>
+            <a:off x="354227" y="1712783"/>
+            <a:ext cx="11483546" cy="830997"/>
+          </a:xfrm>
+          <a:prstGeom prst="rect">
+            <a:avLst/>
+          </a:prstGeom>
+          <a:noFill/>
+        </p:spPr>
+        <p:txBody>
+          <a:bodyPr wrap="square" rtlCol="0">
+            <a:spAutoFit/>
+          </a:bodyPr>
+          <a:lstStyle/>
+          <a:p>
+            <a:pPr algn="l" fontAlgn="base"/>
+            <a:r>
+              <a:rPr lang="en" altLang="ja-JP" sz="2400" b="0" i="0" dirty="0">
+                <a:solidFill>
+                  <a:srgbClr val="3F4348"/>
+                </a:solidFill>
+                <a:effectLst/>
+                <a:latin typeface="inherit"/>
+              </a:rPr>
+              <a:t>CSS</a:t>
+            </a:r>
+            <a:r>
+              <a:rPr lang="ja-JP" altLang="en-US" sz="2400" b="0" i="0">
+                <a:solidFill>
+                  <a:srgbClr val="3F4348"/>
+                </a:solidFill>
+                <a:effectLst/>
+                <a:latin typeface="inherit"/>
+              </a:rPr>
+              <a:t>とは、</a:t>
+            </a:r>
+            <a:r>
+              <a:rPr lang="en" altLang="ja-JP" sz="2400" b="0" i="0" dirty="0">
+                <a:solidFill>
+                  <a:srgbClr val="3F4348"/>
+                </a:solidFill>
+                <a:effectLst/>
+                <a:latin typeface="inherit"/>
+              </a:rPr>
+              <a:t>HTML</a:t>
+            </a:r>
+            <a:r>
+              <a:rPr lang="ja-JP" altLang="en-US" sz="2400" b="0" i="0">
+                <a:solidFill>
+                  <a:srgbClr val="3F4348"/>
+                </a:solidFill>
+                <a:effectLst/>
+                <a:latin typeface="inherit"/>
+              </a:rPr>
+              <a:t>の要素に対して</a:t>
+            </a:r>
+            <a:r>
+              <a:rPr lang="ja-JP" altLang="en-US" sz="2400" b="0" i="0">
+                <a:solidFill>
+                  <a:srgbClr val="FF0000"/>
+                </a:solidFill>
+                <a:effectLst/>
+                <a:latin typeface="inherit"/>
+              </a:rPr>
+              <a:t>色、大きさ、配置</a:t>
+            </a:r>
+            <a:r>
+              <a:rPr lang="ja-JP" altLang="en-US" sz="2400" b="0" i="0">
+                <a:solidFill>
+                  <a:srgbClr val="3F4348"/>
+                </a:solidFill>
+                <a:effectLst/>
+                <a:latin typeface="inherit"/>
+              </a:rPr>
+              <a:t>などを指定することができる言語</a:t>
+            </a:r>
+          </a:p>
+          <a:p>
+            <a:endParaRPr kumimoji="1" lang="ja-JP" altLang="en-US" sz="2400"/>
+          </a:p>
+        </p:txBody>
+      </p:sp>
+      <p:sp>
+        <p:nvSpPr>
+          <p:cNvPr id="7" name="AutoShape 6">
+            <a:extLst>
+              <a:ext uri="{FF2B5EF4-FFF2-40B4-BE49-F238E27FC236}">
+                <a16:creationId xmlns:a16="http://schemas.microsoft.com/office/drawing/2014/main" id="{911CDD07-39B7-FE8D-878B-1503A3FC80E0}"/>
+              </a:ext>
+            </a:extLst>
+          </p:cNvPr>
+          <p:cNvSpPr>
+            <a:spLocks noChangeAspect="1" noChangeArrowheads="1"/>
+          </p:cNvSpPr>
+          <p:nvPr/>
+        </p:nvSpPr>
+        <p:spPr bwMode="auto">
+          <a:xfrm>
+            <a:off x="5943600" y="3276600"/>
+            <a:ext cx="304800" cy="304800"/>
+          </a:xfrm>
+          <a:prstGeom prst="rect">
+            <a:avLst/>
+          </a:prstGeom>
+          <a:noFill/>
+          <a:extLst>
+            <a:ext uri="{909E8E84-426E-40DD-AFC4-6F175D3DCCD1}">
+              <a14:hiddenFill xmlns:a14="http://schemas.microsoft.com/office/drawing/2010/main">
+                <a:solidFill>
+                  <a:srgbClr val="FFFFFF"/>
+                </a:solidFill>
+              </a14:hiddenFill>
+            </a:ext>
+          </a:extLst>
+        </p:spPr>
+        <p:txBody>
+          <a:bodyPr vert="horz" wrap="square" lIns="91440" tIns="45720" rIns="91440" bIns="45720" numCol="1" anchor="t" anchorCtr="0" compatLnSpc="1">
+            <a:prstTxWarp prst="textNoShape">
+              <a:avLst/>
+            </a:prstTxWarp>
+          </a:bodyPr>
+          <a:lstStyle/>
+          <a:p>
+            <a:endParaRPr lang="ja-JP" altLang="en-US"/>
+          </a:p>
+        </p:txBody>
+      </p:sp>
+      <p:pic>
+        <p:nvPicPr>
+          <p:cNvPr id="4" name="図 3" descr="テキスト&#10;&#10;中程度の精度で自動的に生成された説明">
+            <a:extLst>
+              <a:ext uri="{FF2B5EF4-FFF2-40B4-BE49-F238E27FC236}">
+                <a16:creationId xmlns:a16="http://schemas.microsoft.com/office/drawing/2014/main" id="{E8F3120E-EC42-4660-B3F2-1DE6B9660CDB}"/>
+              </a:ext>
+            </a:extLst>
+          </p:cNvPr>
+          <p:cNvPicPr>
+            <a:picLocks noChangeAspect="1"/>
+          </p:cNvPicPr>
+          <p:nvPr/>
+        </p:nvPicPr>
+        <p:blipFill>
+          <a:blip r:embed="rId2"/>
+          <a:stretch>
+            <a:fillRect/>
+          </a:stretch>
+        </p:blipFill>
+        <p:spPr>
+          <a:xfrm>
+            <a:off x="6783859" y="3766819"/>
+            <a:ext cx="3941805" cy="2756795"/>
+          </a:xfrm>
+          <a:prstGeom prst="rect">
+            <a:avLst/>
+          </a:prstGeom>
+        </p:spPr>
+      </p:pic>
+      <p:pic>
+        <p:nvPicPr>
+          <p:cNvPr id="8" name="図 7" descr="テキスト&#10;&#10;中程度の精度で自動的に生成された説明">
+            <a:extLst>
+              <a:ext uri="{FF2B5EF4-FFF2-40B4-BE49-F238E27FC236}">
+                <a16:creationId xmlns:a16="http://schemas.microsoft.com/office/drawing/2014/main" id="{0106F86E-53F0-E055-E4A7-3FE514B29AD2}"/>
+              </a:ext>
+            </a:extLst>
+          </p:cNvPr>
+          <p:cNvPicPr>
+            <a:picLocks noChangeAspect="1"/>
+          </p:cNvPicPr>
+          <p:nvPr/>
+        </p:nvPicPr>
+        <p:blipFill>
+          <a:blip r:embed="rId3"/>
+          <a:stretch>
+            <a:fillRect/>
+          </a:stretch>
+        </p:blipFill>
+        <p:spPr>
+          <a:xfrm>
+            <a:off x="1236457" y="3849324"/>
+            <a:ext cx="3824914" cy="2675044"/>
+          </a:xfrm>
+          <a:prstGeom prst="rect">
+            <a:avLst/>
+          </a:prstGeom>
+        </p:spPr>
+      </p:pic>
+      <p:sp>
+        <p:nvSpPr>
+          <p:cNvPr id="9" name="テキスト ボックス 8">
+            <a:extLst>
+              <a:ext uri="{FF2B5EF4-FFF2-40B4-BE49-F238E27FC236}">
+                <a16:creationId xmlns:a16="http://schemas.microsoft.com/office/drawing/2014/main" id="{3BB3C677-40FF-E8F1-E126-731C9D2169E9}"/>
+              </a:ext>
+            </a:extLst>
+          </p:cNvPr>
+          <p:cNvSpPr txBox="1"/>
+          <p:nvPr/>
+        </p:nvSpPr>
+        <p:spPr>
+          <a:xfrm>
+            <a:off x="1236457" y="3276600"/>
+            <a:ext cx="1553630" cy="369332"/>
+          </a:xfrm>
+          <a:prstGeom prst="rect">
+            <a:avLst/>
+          </a:prstGeom>
+          <a:noFill/>
+        </p:spPr>
+        <p:txBody>
+          <a:bodyPr wrap="none" rtlCol="0">
+            <a:spAutoFit/>
+          </a:bodyPr>
+          <a:lstStyle/>
+          <a:p>
+            <a:r>
+              <a:rPr kumimoji="1" lang="en-US" altLang="ja-JP" dirty="0"/>
+              <a:t>CSS</a:t>
+            </a:r>
+            <a:r>
+              <a:rPr kumimoji="1" lang="ja-JP" altLang="en-US"/>
+              <a:t>当てる前</a:t>
+            </a:r>
+          </a:p>
+        </p:txBody>
+      </p:sp>
+      <p:sp>
+        <p:nvSpPr>
+          <p:cNvPr id="10" name="テキスト ボックス 9">
+            <a:extLst>
+              <a:ext uri="{FF2B5EF4-FFF2-40B4-BE49-F238E27FC236}">
+                <a16:creationId xmlns:a16="http://schemas.microsoft.com/office/drawing/2014/main" id="{0DD781F8-663D-4783-D211-E6C907D30093}"/>
+              </a:ext>
+            </a:extLst>
+          </p:cNvPr>
+          <p:cNvSpPr txBox="1"/>
+          <p:nvPr/>
+        </p:nvSpPr>
+        <p:spPr>
+          <a:xfrm>
+            <a:off x="7475838" y="3276600"/>
+            <a:ext cx="1553630" cy="369332"/>
+          </a:xfrm>
+          <a:prstGeom prst="rect">
+            <a:avLst/>
+          </a:prstGeom>
+          <a:noFill/>
+        </p:spPr>
+        <p:txBody>
+          <a:bodyPr wrap="none" rtlCol="0">
+            <a:spAutoFit/>
+          </a:bodyPr>
+          <a:lstStyle/>
+          <a:p>
+            <a:r>
+              <a:rPr kumimoji="1" lang="en-US" altLang="ja-JP" dirty="0"/>
+              <a:t>CSS</a:t>
+            </a:r>
+            <a:r>
+              <a:rPr kumimoji="1" lang="ja-JP" altLang="en-US"/>
+              <a:t>当てた後</a:t>
+            </a:r>
+          </a:p>
+        </p:txBody>
+      </p:sp>
+    </p:spTree>
+    <p:extLst>
+      <p:ext uri="{BB962C8B-B14F-4D97-AF65-F5344CB8AC3E}">
+        <p14:creationId xmlns:p14="http://schemas.microsoft.com/office/powerpoint/2010/main" val="4138979192"/>
+      </p:ext>
+    </p:extLst>
+  </p:cSld>
+  <p:clrMapOvr>
+    <a:masterClrMapping/>
+  </p:clrMapOvr>
+</p:sld>
+</file>
+
+<file path=ppt/slides/slide9.xml><?xml version="1.0" encoding="utf-8"?>
+<p:sld xmlns:a="http://schemas.openxmlformats.org/drawingml/2006/main" xmlns:r="http://schemas.openxmlformats.org/officeDocument/2006/relationships" xmlns:p="http://schemas.openxmlformats.org/presentationml/2006/main">
+  <p:cSld>
+    <p:spTree>
+      <p:nvGrpSpPr>
+        <p:cNvPr id="1" name=""/>
+        <p:cNvGrpSpPr/>
+        <p:nvPr/>
+      </p:nvGrpSpPr>
+      <p:grpSpPr>
+        <a:xfrm>
+          <a:off x="0" y="0"/>
+          <a:ext cx="0" cy="0"/>
+          <a:chOff x="0" y="0"/>
+          <a:chExt cx="0" cy="0"/>
+        </a:xfrm>
+      </p:grpSpPr>
+      <p:sp>
+        <p:nvSpPr>
+          <p:cNvPr id="25" name="テキスト ボックス 24">
+            <a:extLst>
+              <a:ext uri="{FF2B5EF4-FFF2-40B4-BE49-F238E27FC236}">
+                <a16:creationId xmlns:a16="http://schemas.microsoft.com/office/drawing/2014/main" id="{98FFFBE8-A137-921B-2495-34421D85F292}"/>
+              </a:ext>
+            </a:extLst>
+          </p:cNvPr>
+          <p:cNvSpPr txBox="1"/>
+          <p:nvPr/>
+        </p:nvSpPr>
+        <p:spPr>
+          <a:xfrm>
+            <a:off x="611162" y="333632"/>
+            <a:ext cx="7265774" cy="646331"/>
+          </a:xfrm>
+          <a:prstGeom prst="rect">
+            <a:avLst/>
+          </a:prstGeom>
+          <a:noFill/>
+        </p:spPr>
+        <p:txBody>
+          <a:bodyPr wrap="square" rtlCol="0">
+            <a:spAutoFit/>
+          </a:bodyPr>
+          <a:lstStyle/>
+          <a:p>
+            <a:r>
+              <a:rPr kumimoji="1" lang="en-US" altLang="ja-JP" sz="3600" dirty="0">
+                <a:solidFill>
+                  <a:schemeClr val="tx1">
+                    <a:lumMod val="75000"/>
+                    <a:lumOff val="25000"/>
+                  </a:schemeClr>
+                </a:solidFill>
+                <a:latin typeface="Hiragino Sans W4" panose="020B0400000000000000" pitchFamily="34" charset="-128"/>
+                <a:ea typeface="Hiragino Sans W4" panose="020B0400000000000000" pitchFamily="34" charset="-128"/>
+              </a:rPr>
+              <a:t>CSS </a:t>
+            </a:r>
+            <a:r>
+              <a:rPr kumimoji="1" lang="ja-JP" altLang="en-US" sz="3600">
+                <a:solidFill>
+                  <a:schemeClr val="tx1">
+                    <a:lumMod val="75000"/>
+                    <a:lumOff val="25000"/>
+                  </a:schemeClr>
+                </a:solidFill>
+                <a:latin typeface="Hiragino Sans W4" panose="020B0400000000000000" pitchFamily="34" charset="-128"/>
+                <a:ea typeface="Hiragino Sans W4" panose="020B0400000000000000" pitchFamily="34" charset="-128"/>
+              </a:rPr>
+              <a:t>どのように書く</a:t>
+            </a:r>
+          </a:p>
+        </p:txBody>
+      </p:sp>
+      <p:sp>
+        <p:nvSpPr>
+          <p:cNvPr id="3" name="テキスト ボックス 2">
+            <a:extLst>
+              <a:ext uri="{FF2B5EF4-FFF2-40B4-BE49-F238E27FC236}">
+                <a16:creationId xmlns:a16="http://schemas.microsoft.com/office/drawing/2014/main" id="{A3B114F1-F504-8BE8-A5EE-DC34A07EF8D4}"/>
+              </a:ext>
+            </a:extLst>
+          </p:cNvPr>
+          <p:cNvSpPr txBox="1"/>
+          <p:nvPr/>
+        </p:nvSpPr>
+        <p:spPr>
+          <a:xfrm>
+            <a:off x="611162" y="1754660"/>
+            <a:ext cx="6054812" cy="3508653"/>
+          </a:xfrm>
+          <a:prstGeom prst="rect">
+            <a:avLst/>
+          </a:prstGeom>
+          <a:noFill/>
+        </p:spPr>
+        <p:txBody>
+          <a:bodyPr wrap="square" rtlCol="0">
+            <a:spAutoFit/>
+          </a:bodyPr>
+          <a:lstStyle/>
+          <a:p>
+            <a:r>
+              <a:rPr lang="ja-JP" altLang="en-US" sz="2800" b="0">
+                <a:effectLst/>
+                <a:latin typeface="Menlo" panose="020B0609030804020204" pitchFamily="49" charset="0"/>
+              </a:rPr>
+              <a:t>↓</a:t>
+            </a:r>
+            <a:r>
+              <a:rPr lang="ja-JP" altLang="en-US" sz="2800">
+                <a:latin typeface="Menlo" panose="020B0609030804020204" pitchFamily="49" charset="0"/>
+              </a:rPr>
+              <a:t>何</a:t>
+            </a:r>
+            <a:r>
+              <a:rPr lang="ja-JP" altLang="en-US" sz="2800" b="0">
+                <a:effectLst/>
+                <a:latin typeface="Menlo" panose="020B0609030804020204" pitchFamily="49" charset="0"/>
+              </a:rPr>
+              <a:t>の</a:t>
+            </a:r>
+          </a:p>
+          <a:p>
+            <a:r>
+              <a:rPr lang="en" altLang="ja-JP" sz="2800" b="0" dirty="0">
+                <a:solidFill>
+                  <a:srgbClr val="EF596F"/>
+                </a:solidFill>
+                <a:effectLst/>
+                <a:latin typeface="Menlo" panose="020B0609030804020204" pitchFamily="49" charset="0"/>
+              </a:rPr>
+              <a:t>h1</a:t>
+            </a:r>
+            <a:r>
+              <a:rPr lang="en" altLang="ja-JP" sz="2800" b="0" dirty="0">
+                <a:solidFill>
+                  <a:srgbClr val="ABB2BF"/>
+                </a:solidFill>
+                <a:effectLst/>
+                <a:latin typeface="Menlo" panose="020B0609030804020204" pitchFamily="49" charset="0"/>
+              </a:rPr>
+              <a:t> {</a:t>
+            </a:r>
+          </a:p>
+          <a:p>
+            <a:r>
+              <a:rPr lang="ja-JP" altLang="en-US" sz="2800" b="0">
+                <a:solidFill>
+                  <a:srgbClr val="ABB2BF"/>
+                </a:solidFill>
+                <a:effectLst/>
+                <a:latin typeface="Menlo" panose="020B0609030804020204" pitchFamily="49" charset="0"/>
+              </a:rPr>
+              <a:t>　</a:t>
+            </a:r>
+            <a:r>
+              <a:rPr lang="en" altLang="ja-JP" sz="2800" b="0" dirty="0">
+                <a:solidFill>
+                  <a:srgbClr val="ABB2BF"/>
+                </a:solidFill>
+                <a:effectLst/>
+                <a:latin typeface="Menlo" panose="020B0609030804020204" pitchFamily="49" charset="0"/>
+              </a:rPr>
+              <a:t>color: </a:t>
+            </a:r>
+            <a:r>
+              <a:rPr lang="en" altLang="ja-JP" sz="2800" b="0" dirty="0">
+                <a:solidFill>
+                  <a:srgbClr val="D19A66"/>
+                </a:solidFill>
+                <a:effectLst/>
+                <a:latin typeface="Menlo" panose="020B0609030804020204" pitchFamily="49" charset="0"/>
+              </a:rPr>
+              <a:t>blue</a:t>
+            </a:r>
+            <a:r>
+              <a:rPr lang="en" altLang="ja-JP" sz="2800" b="0" dirty="0">
+                <a:solidFill>
+                  <a:srgbClr val="ABB2BF"/>
+                </a:solidFill>
+                <a:effectLst/>
+                <a:latin typeface="Menlo" panose="020B0609030804020204" pitchFamily="49" charset="0"/>
+              </a:rPr>
+              <a:t>;</a:t>
+            </a:r>
+          </a:p>
+          <a:p>
+            <a:r>
+              <a:rPr lang="ja-JP" altLang="en-US" sz="2800" b="0">
+                <a:effectLst/>
+                <a:latin typeface="Menlo" panose="020B0609030804020204" pitchFamily="49" charset="0"/>
+              </a:rPr>
+              <a:t>　</a:t>
+            </a:r>
+            <a:r>
+              <a:rPr lang="en" altLang="ja-JP" sz="2800" b="0" dirty="0">
+                <a:effectLst/>
+                <a:latin typeface="Menlo" panose="020B0609030804020204" pitchFamily="49" charset="0"/>
+              </a:rPr>
+              <a:t>↑</a:t>
+            </a:r>
+            <a:r>
+              <a:rPr lang="ja-JP" altLang="en-US" sz="2800" b="0">
+                <a:effectLst/>
+                <a:latin typeface="Menlo" panose="020B0609030804020204" pitchFamily="49" charset="0"/>
+              </a:rPr>
+              <a:t>何を　</a:t>
+            </a:r>
+            <a:r>
+              <a:rPr lang="en-US" altLang="ja-JP" sz="2800" b="0" dirty="0">
+                <a:effectLst/>
+                <a:latin typeface="Menlo" panose="020B0609030804020204" pitchFamily="49" charset="0"/>
+              </a:rPr>
+              <a:t> ↑</a:t>
+            </a:r>
+            <a:r>
+              <a:rPr lang="ja-JP" altLang="en-US" sz="2800" b="0">
+                <a:effectLst/>
+                <a:latin typeface="Menlo" panose="020B0609030804020204" pitchFamily="49" charset="0"/>
+              </a:rPr>
+              <a:t>どうする</a:t>
+            </a:r>
+            <a:endParaRPr lang="en" altLang="ja-JP" sz="2800" b="0" dirty="0">
+              <a:effectLst/>
+              <a:latin typeface="Menlo" panose="020B0609030804020204" pitchFamily="49" charset="0"/>
+            </a:endParaRPr>
+          </a:p>
+          <a:p>
+            <a:r>
+              <a:rPr lang="en" altLang="ja-JP" sz="2800" b="0" dirty="0">
+                <a:solidFill>
+                  <a:srgbClr val="ABB2BF"/>
+                </a:solidFill>
+                <a:effectLst/>
+                <a:latin typeface="Menlo" panose="020B0609030804020204" pitchFamily="49" charset="0"/>
+              </a:rPr>
+              <a:t>}</a:t>
+            </a:r>
+          </a:p>
+          <a:p>
+            <a:br>
+              <a:rPr lang="en" altLang="ja-JP" sz="2800" b="0" dirty="0">
+                <a:solidFill>
+                  <a:srgbClr val="ABB2BF"/>
+                </a:solidFill>
+                <a:effectLst/>
+                <a:latin typeface="Menlo" panose="020B0609030804020204" pitchFamily="49" charset="0"/>
+              </a:rPr>
+            </a:br>
+            <a:br>
+              <a:rPr lang="en" altLang="ja-JP" b="0" dirty="0">
+                <a:solidFill>
+                  <a:srgbClr val="ABB2BF"/>
+                </a:solidFill>
+                <a:effectLst/>
+                <a:latin typeface="Menlo" panose="020B0609030804020204" pitchFamily="49" charset="0"/>
+              </a:rPr>
+            </a:br>
+            <a:endParaRPr lang="en" altLang="ja-JP" b="0" dirty="0">
+              <a:solidFill>
+                <a:srgbClr val="ABB2BF"/>
+              </a:solidFill>
+              <a:effectLst/>
+              <a:latin typeface="Menlo" panose="020B0609030804020204" pitchFamily="49" charset="0"/>
+            </a:endParaRPr>
+          </a:p>
+          <a:p>
+            <a:endParaRPr kumimoji="1" lang="ja-JP" altLang="en-US"/>
+          </a:p>
+        </p:txBody>
+      </p:sp>
+      <p:sp>
+        <p:nvSpPr>
+          <p:cNvPr id="6" name="テキスト ボックス 5">
+            <a:extLst>
+              <a:ext uri="{FF2B5EF4-FFF2-40B4-BE49-F238E27FC236}">
+                <a16:creationId xmlns:a16="http://schemas.microsoft.com/office/drawing/2014/main" id="{A97E3471-2EB1-7243-E046-11684B1106ED}"/>
+              </a:ext>
+            </a:extLst>
+          </p:cNvPr>
+          <p:cNvSpPr txBox="1"/>
+          <p:nvPr/>
+        </p:nvSpPr>
+        <p:spPr>
+          <a:xfrm>
+            <a:off x="6487297" y="2123991"/>
+            <a:ext cx="3768980" cy="1384995"/>
+          </a:xfrm>
+          <a:prstGeom prst="rect">
+            <a:avLst/>
+          </a:prstGeom>
+          <a:noFill/>
+        </p:spPr>
+        <p:txBody>
+          <a:bodyPr wrap="none" rtlCol="0">
+            <a:spAutoFit/>
+          </a:bodyPr>
+          <a:lstStyle/>
+          <a:p>
+            <a:r>
+              <a:rPr lang="ja-JP" altLang="en-US" sz="2800"/>
+              <a:t>何の：　　</a:t>
+            </a:r>
+            <a:r>
+              <a:rPr lang="en-US" altLang="ja-JP" sz="2800" dirty="0"/>
+              <a:t>h1</a:t>
+            </a:r>
+            <a:r>
+              <a:rPr lang="ja-JP" altLang="en-US" sz="2800"/>
+              <a:t>タグの</a:t>
+            </a:r>
+            <a:endParaRPr lang="en-US" altLang="ja-JP" sz="2800" dirty="0"/>
+          </a:p>
+          <a:p>
+            <a:r>
+              <a:rPr lang="ja-JP" altLang="en-US" sz="2800"/>
+              <a:t>何を：　　</a:t>
+            </a:r>
+            <a:r>
+              <a:rPr lang="en-US" altLang="ja-JP" sz="2800" dirty="0"/>
+              <a:t>color</a:t>
+            </a:r>
+            <a:r>
+              <a:rPr lang="ja-JP" altLang="en-US" sz="2800"/>
+              <a:t>を</a:t>
+            </a:r>
+            <a:endParaRPr lang="en-US" altLang="ja-JP" sz="2800" dirty="0"/>
+          </a:p>
+          <a:p>
+            <a:r>
+              <a:rPr lang="ja-JP" altLang="en-US" sz="2800"/>
+              <a:t>どうする：</a:t>
+            </a:r>
+            <a:r>
+              <a:rPr lang="en-US" altLang="ja-JP" sz="2800" dirty="0"/>
+              <a:t>blue</a:t>
+            </a:r>
+            <a:r>
+              <a:rPr lang="ja-JP" altLang="en-US" sz="2800"/>
+              <a:t>にする</a:t>
+            </a:r>
+            <a:endParaRPr lang="en-US" altLang="ja-JP" sz="2800" dirty="0"/>
+          </a:p>
+        </p:txBody>
+      </p:sp>
+    </p:spTree>
+    <p:extLst>
+      <p:ext uri="{BB962C8B-B14F-4D97-AF65-F5344CB8AC3E}">
+        <p14:creationId xmlns:p14="http://schemas.microsoft.com/office/powerpoint/2010/main" val="3366428863"/>
       </p:ext>
     </p:extLst>
   </p:cSld>
